--- a/SagarKaranjavkar_ABADS_B13.pptx
+++ b/SagarKaranjavkar_ABADS_B13.pptx
@@ -1503,11 +1503,11 @@
         </c:dLbls>
         <c:gapWidth val="150"/>
         <c:overlap val="100"/>
-        <c:axId val="228359688"/>
-        <c:axId val="228362432"/>
+        <c:axId val="227469648"/>
+        <c:axId val="229782376"/>
       </c:barChart>
       <c:catAx>
-        <c:axId val="228359688"/>
+        <c:axId val="227469648"/>
         <c:scaling>
           <c:orientation val="minMax"/>
         </c:scaling>
@@ -1549,7 +1549,7 @@
             <a:endParaRPr lang="en-US"/>
           </a:p>
         </c:txPr>
-        <c:crossAx val="228362432"/>
+        <c:crossAx val="229782376"/>
         <c:crosses val="autoZero"/>
         <c:auto val="1"/>
         <c:lblAlgn val="ctr"/>
@@ -1557,7 +1557,7 @@
         <c:noMultiLvlLbl val="0"/>
       </c:catAx>
       <c:valAx>
-        <c:axId val="228362432"/>
+        <c:axId val="229782376"/>
         <c:scaling>
           <c:orientation val="minMax"/>
         </c:scaling>
@@ -1607,7 +1607,7 @@
             <a:endParaRPr lang="en-US"/>
           </a:p>
         </c:txPr>
-        <c:crossAx val="228359688"/>
+        <c:crossAx val="227469648"/>
         <c:crosses val="autoZero"/>
         <c:crossBetween val="between"/>
       </c:valAx>
@@ -5199,7 +5199,7 @@
           <p:cNvPr id="5" name="Picture 4" descr="A gold dots on a transparent background&#10;&#10;Description automatically generated">
             <a:extLst>
               <a:ext uri="{FF2B5EF4-FFF2-40B4-BE49-F238E27FC236}">
-                <a16:creationId xmlns:a16="http://schemas.microsoft.com/office/drawing/2014/main" xmlns="" id="{E052D134-9917-63E2-56AB-6A24075646C5}"/>
+                <a16:creationId xmlns="" xmlns:a16="http://schemas.microsoft.com/office/drawing/2014/main" id="{E052D134-9917-63E2-56AB-6A24075646C5}"/>
               </a:ext>
             </a:extLst>
           </p:cNvPr>
@@ -5236,7 +5236,7 @@
           <p:cNvPr id="2" name="TextBox 1">
             <a:extLst>
               <a:ext uri="{FF2B5EF4-FFF2-40B4-BE49-F238E27FC236}">
-                <a16:creationId xmlns:a16="http://schemas.microsoft.com/office/drawing/2014/main" xmlns="" id="{13F82A39-2048-6FEE-7003-7293667A30EA}"/>
+                <a16:creationId xmlns="" xmlns:a16="http://schemas.microsoft.com/office/drawing/2014/main" id="{13F82A39-2048-6FEE-7003-7293667A30EA}"/>
               </a:ext>
             </a:extLst>
           </p:cNvPr>
@@ -5280,7 +5280,7 @@
           <p:cNvPr id="3" name="TextBox 2">
             <a:extLst>
               <a:ext uri="{FF2B5EF4-FFF2-40B4-BE49-F238E27FC236}">
-                <a16:creationId xmlns:a16="http://schemas.microsoft.com/office/drawing/2014/main" xmlns="" id="{406C073D-B99E-13B1-B4FA-7FD3A03E230F}"/>
+                <a16:creationId xmlns="" xmlns:a16="http://schemas.microsoft.com/office/drawing/2014/main" id="{406C073D-B99E-13B1-B4FA-7FD3A03E230F}"/>
               </a:ext>
             </a:extLst>
           </p:cNvPr>
@@ -5348,7 +5348,7 @@
           <p:cNvPr id="5" name="TextBox 4">
             <a:extLst>
               <a:ext uri="{FF2B5EF4-FFF2-40B4-BE49-F238E27FC236}">
-                <a16:creationId xmlns:a16="http://schemas.microsoft.com/office/drawing/2014/main" xmlns="" id="{7A167E24-A9F2-EBE5-314F-01BA03680861}"/>
+                <a16:creationId xmlns="" xmlns:a16="http://schemas.microsoft.com/office/drawing/2014/main" id="{7A167E24-A9F2-EBE5-314F-01BA03680861}"/>
               </a:ext>
             </a:extLst>
           </p:cNvPr>
@@ -5386,7 +5386,7 @@
           <p:cNvPr id="3" name="TextBox 2">
             <a:extLst>
               <a:ext uri="{FF2B5EF4-FFF2-40B4-BE49-F238E27FC236}">
-                <a16:creationId xmlns:a16="http://schemas.microsoft.com/office/drawing/2014/main" xmlns="" id="{C27648FA-6B4C-60DD-ADFE-54CEF206FAC9}"/>
+                <a16:creationId xmlns="" xmlns:a16="http://schemas.microsoft.com/office/drawing/2014/main" id="{C27648FA-6B4C-60DD-ADFE-54CEF206FAC9}"/>
               </a:ext>
             </a:extLst>
           </p:cNvPr>
@@ -5459,7 +5459,7 @@
           <p:cNvPr id="12" name="Chart 11">
             <a:extLst>
               <a:ext uri="{FF2B5EF4-FFF2-40B4-BE49-F238E27FC236}">
-                <a16:creationId xmlns:a16="http://schemas.microsoft.com/office/drawing/2014/main" xmlns="" id="{FB63E401-116F-EEAA-AA95-FAED57E264EE}"/>
+                <a16:creationId xmlns="" xmlns:a16="http://schemas.microsoft.com/office/drawing/2014/main" id="{FB63E401-116F-EEAA-AA95-FAED57E264EE}"/>
               </a:ext>
             </a:extLst>
           </p:cNvPr>
@@ -5519,7 +5519,7 @@
           <p:cNvPr id="7" name="TextBox 6">
             <a:extLst>
               <a:ext uri="{FF2B5EF4-FFF2-40B4-BE49-F238E27FC236}">
-                <a16:creationId xmlns:a16="http://schemas.microsoft.com/office/drawing/2014/main" xmlns="" id="{8DD63C2B-BE03-6C4C-DCB1-11C31ECC55E5}"/>
+                <a16:creationId xmlns="" xmlns:a16="http://schemas.microsoft.com/office/drawing/2014/main" id="{8DD63C2B-BE03-6C4C-DCB1-11C31ECC55E5}"/>
               </a:ext>
             </a:extLst>
           </p:cNvPr>
@@ -5557,7 +5557,7 @@
           <p:cNvPr id="8" name="Straight Connector 7">
             <a:extLst>
               <a:ext uri="{FF2B5EF4-FFF2-40B4-BE49-F238E27FC236}">
-                <a16:creationId xmlns:a16="http://schemas.microsoft.com/office/drawing/2014/main" xmlns="" id="{FCB4C684-04E3-E49B-7488-ECF56AFAD034}"/>
+                <a16:creationId xmlns="" xmlns:a16="http://schemas.microsoft.com/office/drawing/2014/main" id="{FCB4C684-04E3-E49B-7488-ECF56AFAD034}"/>
               </a:ext>
             </a:extLst>
           </p:cNvPr>
@@ -5630,77 +5630,77 @@
                 <a:gridCol w="1116933">
                   <a:extLst>
                     <a:ext uri="{9D8B030D-6E8A-4147-A177-3AD203B41FA5}">
-                      <a16:colId xmlns:a16="http://schemas.microsoft.com/office/drawing/2014/main" xmlns="" val="20000"/>
+                      <a16:colId xmlns="" xmlns:a16="http://schemas.microsoft.com/office/drawing/2014/main" val="20000"/>
                     </a:ext>
                   </a:extLst>
                 </a:gridCol>
                 <a:gridCol w="828000">
                   <a:extLst>
                     <a:ext uri="{9D8B030D-6E8A-4147-A177-3AD203B41FA5}">
-                      <a16:colId xmlns:a16="http://schemas.microsoft.com/office/drawing/2014/main" xmlns="" val="20001"/>
+                      <a16:colId xmlns="" xmlns:a16="http://schemas.microsoft.com/office/drawing/2014/main" val="20001"/>
                     </a:ext>
                   </a:extLst>
                 </a:gridCol>
                 <a:gridCol w="828000">
                   <a:extLst>
                     <a:ext uri="{9D8B030D-6E8A-4147-A177-3AD203B41FA5}">
-                      <a16:colId xmlns:a16="http://schemas.microsoft.com/office/drawing/2014/main" xmlns="" val="20002"/>
+                      <a16:colId xmlns="" xmlns:a16="http://schemas.microsoft.com/office/drawing/2014/main" val="20002"/>
                     </a:ext>
                   </a:extLst>
                 </a:gridCol>
                 <a:gridCol w="828000">
                   <a:extLst>
                     <a:ext uri="{9D8B030D-6E8A-4147-A177-3AD203B41FA5}">
-                      <a16:colId xmlns:a16="http://schemas.microsoft.com/office/drawing/2014/main" xmlns="" val="20003"/>
+                      <a16:colId xmlns="" xmlns:a16="http://schemas.microsoft.com/office/drawing/2014/main" val="20003"/>
                     </a:ext>
                   </a:extLst>
                 </a:gridCol>
                 <a:gridCol w="828000">
                   <a:extLst>
                     <a:ext uri="{9D8B030D-6E8A-4147-A177-3AD203B41FA5}">
-                      <a16:colId xmlns:a16="http://schemas.microsoft.com/office/drawing/2014/main" xmlns="" val="20004"/>
+                      <a16:colId xmlns="" xmlns:a16="http://schemas.microsoft.com/office/drawing/2014/main" val="20004"/>
                     </a:ext>
                   </a:extLst>
                 </a:gridCol>
                 <a:gridCol w="828000">
                   <a:extLst>
                     <a:ext uri="{9D8B030D-6E8A-4147-A177-3AD203B41FA5}">
-                      <a16:colId xmlns:a16="http://schemas.microsoft.com/office/drawing/2014/main" xmlns="" val="20005"/>
+                      <a16:colId xmlns="" xmlns:a16="http://schemas.microsoft.com/office/drawing/2014/main" val="20005"/>
                     </a:ext>
                   </a:extLst>
                 </a:gridCol>
                 <a:gridCol w="828000">
                   <a:extLst>
                     <a:ext uri="{9D8B030D-6E8A-4147-A177-3AD203B41FA5}">
-                      <a16:colId xmlns:a16="http://schemas.microsoft.com/office/drawing/2014/main" xmlns="" val="20006"/>
+                      <a16:colId xmlns="" xmlns:a16="http://schemas.microsoft.com/office/drawing/2014/main" val="20006"/>
                     </a:ext>
                   </a:extLst>
                 </a:gridCol>
                 <a:gridCol w="828000">
                   <a:extLst>
                     <a:ext uri="{9D8B030D-6E8A-4147-A177-3AD203B41FA5}">
-                      <a16:colId xmlns:a16="http://schemas.microsoft.com/office/drawing/2014/main" xmlns="" val="20007"/>
+                      <a16:colId xmlns="" xmlns:a16="http://schemas.microsoft.com/office/drawing/2014/main" val="20007"/>
                     </a:ext>
                   </a:extLst>
                 </a:gridCol>
                 <a:gridCol w="828000">
                   <a:extLst>
                     <a:ext uri="{9D8B030D-6E8A-4147-A177-3AD203B41FA5}">
-                      <a16:colId xmlns:a16="http://schemas.microsoft.com/office/drawing/2014/main" xmlns="" val="20008"/>
+                      <a16:colId xmlns="" xmlns:a16="http://schemas.microsoft.com/office/drawing/2014/main" val="20008"/>
                     </a:ext>
                   </a:extLst>
                 </a:gridCol>
                 <a:gridCol w="828000">
                   <a:extLst>
                     <a:ext uri="{9D8B030D-6E8A-4147-A177-3AD203B41FA5}">
-                      <a16:colId xmlns:a16="http://schemas.microsoft.com/office/drawing/2014/main" xmlns="" val="20009"/>
+                      <a16:colId xmlns="" xmlns:a16="http://schemas.microsoft.com/office/drawing/2014/main" val="20009"/>
                     </a:ext>
                   </a:extLst>
                 </a:gridCol>
                 <a:gridCol w="828000">
                   <a:extLst>
                     <a:ext uri="{9D8B030D-6E8A-4147-A177-3AD203B41FA5}">
-                      <a16:colId xmlns:a16="http://schemas.microsoft.com/office/drawing/2014/main" xmlns="" val="20010"/>
+                      <a16:colId xmlns="" xmlns:a16="http://schemas.microsoft.com/office/drawing/2014/main" val="20010"/>
                     </a:ext>
                   </a:extLst>
                 </a:gridCol>
@@ -6094,7 +6094,7 @@
                 </a:tc>
                 <a:extLst>
                   <a:ext uri="{0D108BD9-81ED-4DB2-BD59-A6C34878D82A}">
-                    <a16:rowId xmlns:a16="http://schemas.microsoft.com/office/drawing/2014/main" xmlns="" val="10000"/>
+                    <a16:rowId xmlns="" xmlns:a16="http://schemas.microsoft.com/office/drawing/2014/main" val="10000"/>
                   </a:ext>
                 </a:extLst>
               </a:tr>
@@ -6617,7 +6617,7 @@
                 </a:tc>
                 <a:extLst>
                   <a:ext uri="{0D108BD9-81ED-4DB2-BD59-A6C34878D82A}">
-                    <a16:rowId xmlns:a16="http://schemas.microsoft.com/office/drawing/2014/main" xmlns="" val="10001"/>
+                    <a16:rowId xmlns="" xmlns:a16="http://schemas.microsoft.com/office/drawing/2014/main" val="10001"/>
                   </a:ext>
                 </a:extLst>
               </a:tr>
@@ -7169,7 +7169,7 @@
                 </a:tc>
                 <a:extLst>
                   <a:ext uri="{0D108BD9-81ED-4DB2-BD59-A6C34878D82A}">
-                    <a16:rowId xmlns:a16="http://schemas.microsoft.com/office/drawing/2014/main" xmlns="" val="10002"/>
+                    <a16:rowId xmlns="" xmlns:a16="http://schemas.microsoft.com/office/drawing/2014/main" val="10002"/>
                   </a:ext>
                 </a:extLst>
               </a:tr>
@@ -7655,7 +7655,7 @@
                 </a:tc>
                 <a:extLst>
                   <a:ext uri="{0D108BD9-81ED-4DB2-BD59-A6C34878D82A}">
-                    <a16:rowId xmlns:a16="http://schemas.microsoft.com/office/drawing/2014/main" xmlns="" val="10003"/>
+                    <a16:rowId xmlns="" xmlns:a16="http://schemas.microsoft.com/office/drawing/2014/main" val="10003"/>
                   </a:ext>
                 </a:extLst>
               </a:tr>
@@ -8141,7 +8141,7 @@
                 </a:tc>
                 <a:extLst>
                   <a:ext uri="{0D108BD9-81ED-4DB2-BD59-A6C34878D82A}">
-                    <a16:rowId xmlns:a16="http://schemas.microsoft.com/office/drawing/2014/main" xmlns="" val="10004"/>
+                    <a16:rowId xmlns="" xmlns:a16="http://schemas.microsoft.com/office/drawing/2014/main" val="10004"/>
                   </a:ext>
                 </a:extLst>
               </a:tr>
@@ -8627,7 +8627,7 @@
                 </a:tc>
                 <a:extLst>
                   <a:ext uri="{0D108BD9-81ED-4DB2-BD59-A6C34878D82A}">
-                    <a16:rowId xmlns:a16="http://schemas.microsoft.com/office/drawing/2014/main" xmlns="" val="10005"/>
+                    <a16:rowId xmlns="" xmlns:a16="http://schemas.microsoft.com/office/drawing/2014/main" val="10005"/>
                   </a:ext>
                 </a:extLst>
               </a:tr>
@@ -8817,7 +8817,7 @@
                     <a:p>
                       <a:pPr algn="ctr" fontAlgn="ctr"/>
                       <a:r>
-                        <a:rPr lang="en-US" sz="1100" b="0" i="0" u="none" strike="noStrike">
+                        <a:rPr lang="en-US" sz="1100" b="0" i="0" u="none" strike="noStrike" dirty="0">
                           <a:solidFill>
                             <a:srgbClr val="000000"/>
                           </a:solidFill>
@@ -9113,7 +9113,7 @@
                 </a:tc>
                 <a:extLst>
                   <a:ext uri="{0D108BD9-81ED-4DB2-BD59-A6C34878D82A}">
-                    <a16:rowId xmlns:a16="http://schemas.microsoft.com/office/drawing/2014/main" xmlns="" val="10006"/>
+                    <a16:rowId xmlns="" xmlns:a16="http://schemas.microsoft.com/office/drawing/2014/main" val="10006"/>
                   </a:ext>
                 </a:extLst>
               </a:tr>
@@ -9665,7 +9665,7 @@
                 </a:tc>
                 <a:extLst>
                   <a:ext uri="{0D108BD9-81ED-4DB2-BD59-A6C34878D82A}">
-                    <a16:rowId xmlns:a16="http://schemas.microsoft.com/office/drawing/2014/main" xmlns="" val="10007"/>
+                    <a16:rowId xmlns="" xmlns:a16="http://schemas.microsoft.com/office/drawing/2014/main" val="10007"/>
                   </a:ext>
                 </a:extLst>
               </a:tr>
@@ -9694,7 +9694,7 @@
         <p:cNvPr id="1" name="">
           <a:extLst>
             <a:ext uri="{FF2B5EF4-FFF2-40B4-BE49-F238E27FC236}">
-              <a16:creationId xmlns:a16="http://schemas.microsoft.com/office/drawing/2014/main" xmlns="" id="{F920243A-294E-5075-E112-261F9B16C48B}"/>
+              <a16:creationId xmlns="" xmlns:a16="http://schemas.microsoft.com/office/drawing/2014/main" id="{F920243A-294E-5075-E112-261F9B16C48B}"/>
             </a:ext>
           </a:extLst>
         </p:cNvPr>
@@ -9714,7 +9714,7 @@
           <p:cNvPr id="5" name="TextBox 4">
             <a:extLst>
               <a:ext uri="{FF2B5EF4-FFF2-40B4-BE49-F238E27FC236}">
-                <a16:creationId xmlns:a16="http://schemas.microsoft.com/office/drawing/2014/main" xmlns="" id="{59FF8781-BEF2-8FD5-DD87-A02B1439B324}"/>
+                <a16:creationId xmlns="" xmlns:a16="http://schemas.microsoft.com/office/drawing/2014/main" id="{59FF8781-BEF2-8FD5-DD87-A02B1439B324}"/>
               </a:ext>
             </a:extLst>
           </p:cNvPr>
@@ -9752,7 +9752,7 @@
           <p:cNvPr id="3" name="TextBox 2">
             <a:extLst>
               <a:ext uri="{FF2B5EF4-FFF2-40B4-BE49-F238E27FC236}">
-                <a16:creationId xmlns:a16="http://schemas.microsoft.com/office/drawing/2014/main" xmlns="" id="{8AD56B99-2004-6BF9-EFB9-E81A1765D23A}"/>
+                <a16:creationId xmlns="" xmlns:a16="http://schemas.microsoft.com/office/drawing/2014/main" id="{8AD56B99-2004-6BF9-EFB9-E81A1765D23A}"/>
               </a:ext>
             </a:extLst>
           </p:cNvPr>
@@ -9807,7 +9807,7 @@
           <p:cNvPr id="4" name="TextBox 3">
             <a:extLst>
               <a:ext uri="{FF2B5EF4-FFF2-40B4-BE49-F238E27FC236}">
-                <a16:creationId xmlns:a16="http://schemas.microsoft.com/office/drawing/2014/main" xmlns="" id="{EBE0147C-6E5C-4A7A-457A-4FB1D8A7C4C0}"/>
+                <a16:creationId xmlns="" xmlns:a16="http://schemas.microsoft.com/office/drawing/2014/main" id="{EBE0147C-6E5C-4A7A-457A-4FB1D8A7C4C0}"/>
               </a:ext>
             </a:extLst>
           </p:cNvPr>
@@ -9845,7 +9845,7 @@
           <p:cNvPr id="7" name="Straight Connector 6">
             <a:extLst>
               <a:ext uri="{FF2B5EF4-FFF2-40B4-BE49-F238E27FC236}">
-                <a16:creationId xmlns:a16="http://schemas.microsoft.com/office/drawing/2014/main" xmlns="" id="{6D38C40A-3A7A-A4D2-A4FD-037EA4D9ED63}"/>
+                <a16:creationId xmlns="" xmlns:a16="http://schemas.microsoft.com/office/drawing/2014/main" id="{6D38C40A-3A7A-A4D2-A4FD-037EA4D9ED63}"/>
               </a:ext>
             </a:extLst>
           </p:cNvPr>
@@ -9897,7 +9897,7 @@
           <p:cNvPr id="2" name="Table 1">
             <a:extLst>
               <a:ext uri="{FF2B5EF4-FFF2-40B4-BE49-F238E27FC236}">
-                <a16:creationId xmlns:a16="http://schemas.microsoft.com/office/drawing/2014/main" xmlns="" id="{B7A3062C-8FCC-7171-AA03-383F335AC0C8}"/>
+                <a16:creationId xmlns="" xmlns:a16="http://schemas.microsoft.com/office/drawing/2014/main" id="{B7A3062C-8FCC-7171-AA03-383F335AC0C8}"/>
               </a:ext>
             </a:extLst>
           </p:cNvPr>
@@ -9924,77 +9924,77 @@
                 <a:gridCol w="1323319">
                   <a:extLst>
                     <a:ext uri="{9D8B030D-6E8A-4147-A177-3AD203B41FA5}">
-                      <a16:colId xmlns:a16="http://schemas.microsoft.com/office/drawing/2014/main" xmlns="" val="2949440785"/>
+                      <a16:colId xmlns="" xmlns:a16="http://schemas.microsoft.com/office/drawing/2014/main" val="2949440785"/>
                     </a:ext>
                   </a:extLst>
                 </a:gridCol>
                 <a:gridCol w="540770">
                   <a:extLst>
                     <a:ext uri="{9D8B030D-6E8A-4147-A177-3AD203B41FA5}">
-                      <a16:colId xmlns:a16="http://schemas.microsoft.com/office/drawing/2014/main" xmlns="" val="2400681530"/>
+                      <a16:colId xmlns="" xmlns:a16="http://schemas.microsoft.com/office/drawing/2014/main" val="2400681530"/>
                     </a:ext>
                   </a:extLst>
                 </a:gridCol>
                 <a:gridCol w="789931">
                   <a:extLst>
                     <a:ext uri="{9D8B030D-6E8A-4147-A177-3AD203B41FA5}">
-                      <a16:colId xmlns:a16="http://schemas.microsoft.com/office/drawing/2014/main" xmlns="" val="3614924324"/>
+                      <a16:colId xmlns="" xmlns:a16="http://schemas.microsoft.com/office/drawing/2014/main" val="3614924324"/>
                     </a:ext>
                   </a:extLst>
                 </a:gridCol>
                 <a:gridCol w="540770">
                   <a:extLst>
                     <a:ext uri="{9D8B030D-6E8A-4147-A177-3AD203B41FA5}">
-                      <a16:colId xmlns:a16="http://schemas.microsoft.com/office/drawing/2014/main" xmlns="" val="3800223092"/>
+                      <a16:colId xmlns="" xmlns:a16="http://schemas.microsoft.com/office/drawing/2014/main" val="3800223092"/>
                     </a:ext>
                   </a:extLst>
                 </a:gridCol>
                 <a:gridCol w="789931">
                   <a:extLst>
                     <a:ext uri="{9D8B030D-6E8A-4147-A177-3AD203B41FA5}">
-                      <a16:colId xmlns:a16="http://schemas.microsoft.com/office/drawing/2014/main" xmlns="" val="21664227"/>
+                      <a16:colId xmlns="" xmlns:a16="http://schemas.microsoft.com/office/drawing/2014/main" val="21664227"/>
                     </a:ext>
                   </a:extLst>
                 </a:gridCol>
                 <a:gridCol w="540770">
                   <a:extLst>
                     <a:ext uri="{9D8B030D-6E8A-4147-A177-3AD203B41FA5}">
-                      <a16:colId xmlns:a16="http://schemas.microsoft.com/office/drawing/2014/main" xmlns="" val="1098436130"/>
+                      <a16:colId xmlns="" xmlns:a16="http://schemas.microsoft.com/office/drawing/2014/main" val="1098436130"/>
                     </a:ext>
                   </a:extLst>
                 </a:gridCol>
                 <a:gridCol w="789931">
                   <a:extLst>
                     <a:ext uri="{9D8B030D-6E8A-4147-A177-3AD203B41FA5}">
-                      <a16:colId xmlns:a16="http://schemas.microsoft.com/office/drawing/2014/main" xmlns="" val="4260460996"/>
+                      <a16:colId xmlns="" xmlns:a16="http://schemas.microsoft.com/office/drawing/2014/main" val="4260460996"/>
                     </a:ext>
                   </a:extLst>
                 </a:gridCol>
                 <a:gridCol w="591150">
                   <a:extLst>
                     <a:ext uri="{9D8B030D-6E8A-4147-A177-3AD203B41FA5}">
-                      <a16:colId xmlns:a16="http://schemas.microsoft.com/office/drawing/2014/main" xmlns="" val="2702568429"/>
+                      <a16:colId xmlns="" xmlns:a16="http://schemas.microsoft.com/office/drawing/2014/main" val="2702568429"/>
                     </a:ext>
                   </a:extLst>
                 </a:gridCol>
                 <a:gridCol w="789931">
                   <a:extLst>
                     <a:ext uri="{9D8B030D-6E8A-4147-A177-3AD203B41FA5}">
-                      <a16:colId xmlns:a16="http://schemas.microsoft.com/office/drawing/2014/main" xmlns="" val="3281672369"/>
+                      <a16:colId xmlns="" xmlns:a16="http://schemas.microsoft.com/office/drawing/2014/main" val="3281672369"/>
                     </a:ext>
                   </a:extLst>
                 </a:gridCol>
                 <a:gridCol w="562918">
                   <a:extLst>
                     <a:ext uri="{9D8B030D-6E8A-4147-A177-3AD203B41FA5}">
-                      <a16:colId xmlns:a16="http://schemas.microsoft.com/office/drawing/2014/main" xmlns="" val="3675760070"/>
+                      <a16:colId xmlns="" xmlns:a16="http://schemas.microsoft.com/office/drawing/2014/main" val="3675760070"/>
                     </a:ext>
                   </a:extLst>
                 </a:gridCol>
                 <a:gridCol w="789931">
                   <a:extLst>
                     <a:ext uri="{9D8B030D-6E8A-4147-A177-3AD203B41FA5}">
-                      <a16:colId xmlns:a16="http://schemas.microsoft.com/office/drawing/2014/main" xmlns="" val="1720357894"/>
+                      <a16:colId xmlns="" xmlns:a16="http://schemas.microsoft.com/office/drawing/2014/main" val="1720357894"/>
                     </a:ext>
                   </a:extLst>
                 </a:gridCol>
@@ -10388,7 +10388,7 @@
                 </a:tc>
                 <a:extLst>
                   <a:ext uri="{0D108BD9-81ED-4DB2-BD59-A6C34878D82A}">
-                    <a16:rowId xmlns:a16="http://schemas.microsoft.com/office/drawing/2014/main" xmlns="" val="981032752"/>
+                    <a16:rowId xmlns="" xmlns:a16="http://schemas.microsoft.com/office/drawing/2014/main" val="981032752"/>
                   </a:ext>
                 </a:extLst>
               </a:tr>
@@ -10895,7 +10895,7 @@
                 </a:tc>
                 <a:extLst>
                   <a:ext uri="{0D108BD9-81ED-4DB2-BD59-A6C34878D82A}">
-                    <a16:rowId xmlns:a16="http://schemas.microsoft.com/office/drawing/2014/main" xmlns="" val="1469154771"/>
+                    <a16:rowId xmlns="" xmlns:a16="http://schemas.microsoft.com/office/drawing/2014/main" val="1469154771"/>
                   </a:ext>
                 </a:extLst>
               </a:tr>
@@ -11447,7 +11447,7 @@
                 </a:tc>
                 <a:extLst>
                   <a:ext uri="{0D108BD9-81ED-4DB2-BD59-A6C34878D82A}">
-                    <a16:rowId xmlns:a16="http://schemas.microsoft.com/office/drawing/2014/main" xmlns="" val="832111228"/>
+                    <a16:rowId xmlns="" xmlns:a16="http://schemas.microsoft.com/office/drawing/2014/main" val="832111228"/>
                   </a:ext>
                 </a:extLst>
               </a:tr>
@@ -11933,7 +11933,7 @@
                 </a:tc>
                 <a:extLst>
                   <a:ext uri="{0D108BD9-81ED-4DB2-BD59-A6C34878D82A}">
-                    <a16:rowId xmlns:a16="http://schemas.microsoft.com/office/drawing/2014/main" xmlns="" val="2535212803"/>
+                    <a16:rowId xmlns="" xmlns:a16="http://schemas.microsoft.com/office/drawing/2014/main" val="2535212803"/>
                   </a:ext>
                 </a:extLst>
               </a:tr>
@@ -12419,7 +12419,7 @@
                 </a:tc>
                 <a:extLst>
                   <a:ext uri="{0D108BD9-81ED-4DB2-BD59-A6C34878D82A}">
-                    <a16:rowId xmlns:a16="http://schemas.microsoft.com/office/drawing/2014/main" xmlns="" val="1498079245"/>
+                    <a16:rowId xmlns="" xmlns:a16="http://schemas.microsoft.com/office/drawing/2014/main" val="1498079245"/>
                   </a:ext>
                 </a:extLst>
               </a:tr>
@@ -12971,7 +12971,7 @@
                 </a:tc>
                 <a:extLst>
                   <a:ext uri="{0D108BD9-81ED-4DB2-BD59-A6C34878D82A}">
-                    <a16:rowId xmlns:a16="http://schemas.microsoft.com/office/drawing/2014/main" xmlns="" val="2334642225"/>
+                    <a16:rowId xmlns="" xmlns:a16="http://schemas.microsoft.com/office/drawing/2014/main" val="2334642225"/>
                   </a:ext>
                 </a:extLst>
               </a:tr>
@@ -12984,7 +12984,7 @@
           <p:cNvPr id="6" name="TextBox 5">
             <a:extLst>
               <a:ext uri="{FF2B5EF4-FFF2-40B4-BE49-F238E27FC236}">
-                <a16:creationId xmlns:a16="http://schemas.microsoft.com/office/drawing/2014/main" xmlns="" id="{CF9597C0-9D56-1344-1747-1AD471A2E613}"/>
+                <a16:creationId xmlns="" xmlns:a16="http://schemas.microsoft.com/office/drawing/2014/main" id="{CF9597C0-9D56-1344-1747-1AD471A2E613}"/>
               </a:ext>
             </a:extLst>
           </p:cNvPr>
@@ -13039,7 +13039,7 @@
           <p:cNvPr id="8" name="TextBox 7">
             <a:extLst>
               <a:ext uri="{FF2B5EF4-FFF2-40B4-BE49-F238E27FC236}">
-                <a16:creationId xmlns:a16="http://schemas.microsoft.com/office/drawing/2014/main" xmlns="" id="{EB7F6A79-4777-D343-8290-31674C90B7E7}"/>
+                <a16:creationId xmlns="" xmlns:a16="http://schemas.microsoft.com/office/drawing/2014/main" id="{EB7F6A79-4777-D343-8290-31674C90B7E7}"/>
               </a:ext>
             </a:extLst>
           </p:cNvPr>
@@ -13077,7 +13077,7 @@
           <p:cNvPr id="9" name="Straight Connector 8">
             <a:extLst>
               <a:ext uri="{FF2B5EF4-FFF2-40B4-BE49-F238E27FC236}">
-                <a16:creationId xmlns:a16="http://schemas.microsoft.com/office/drawing/2014/main" xmlns="" id="{FD1F572A-6B47-389C-FA77-646D8387E8DF}"/>
+                <a16:creationId xmlns="" xmlns:a16="http://schemas.microsoft.com/office/drawing/2014/main" id="{FD1F572A-6B47-389C-FA77-646D8387E8DF}"/>
               </a:ext>
             </a:extLst>
           </p:cNvPr>
@@ -13129,7 +13129,7 @@
           <p:cNvPr id="11" name="Table 10">
             <a:extLst>
               <a:ext uri="{FF2B5EF4-FFF2-40B4-BE49-F238E27FC236}">
-                <a16:creationId xmlns:a16="http://schemas.microsoft.com/office/drawing/2014/main" xmlns="" id="{283EA7B8-A03D-E8C2-DB71-E52FD2B3F81B}"/>
+                <a16:creationId xmlns="" xmlns:a16="http://schemas.microsoft.com/office/drawing/2014/main" id="{283EA7B8-A03D-E8C2-DB71-E52FD2B3F81B}"/>
               </a:ext>
             </a:extLst>
           </p:cNvPr>
@@ -13156,77 +13156,77 @@
                 <a:gridCol w="1326970">
                   <a:extLst>
                     <a:ext uri="{9D8B030D-6E8A-4147-A177-3AD203B41FA5}">
-                      <a16:colId xmlns:a16="http://schemas.microsoft.com/office/drawing/2014/main" xmlns="" val="354642909"/>
+                      <a16:colId xmlns="" xmlns:a16="http://schemas.microsoft.com/office/drawing/2014/main" val="354642909"/>
                     </a:ext>
                   </a:extLst>
                 </a:gridCol>
                 <a:gridCol w="542262">
                   <a:extLst>
                     <a:ext uri="{9D8B030D-6E8A-4147-A177-3AD203B41FA5}">
-                      <a16:colId xmlns:a16="http://schemas.microsoft.com/office/drawing/2014/main" xmlns="" val="2733693797"/>
+                      <a16:colId xmlns="" xmlns:a16="http://schemas.microsoft.com/office/drawing/2014/main" val="2733693797"/>
                     </a:ext>
                   </a:extLst>
                 </a:gridCol>
                 <a:gridCol w="792111">
                   <a:extLst>
                     <a:ext uri="{9D8B030D-6E8A-4147-A177-3AD203B41FA5}">
-                      <a16:colId xmlns:a16="http://schemas.microsoft.com/office/drawing/2014/main" xmlns="" val="3048259830"/>
+                      <a16:colId xmlns="" xmlns:a16="http://schemas.microsoft.com/office/drawing/2014/main" val="3048259830"/>
                     </a:ext>
                   </a:extLst>
                 </a:gridCol>
                 <a:gridCol w="542262">
                   <a:extLst>
                     <a:ext uri="{9D8B030D-6E8A-4147-A177-3AD203B41FA5}">
-                      <a16:colId xmlns:a16="http://schemas.microsoft.com/office/drawing/2014/main" xmlns="" val="806912878"/>
+                      <a16:colId xmlns="" xmlns:a16="http://schemas.microsoft.com/office/drawing/2014/main" val="806912878"/>
                     </a:ext>
                   </a:extLst>
                 </a:gridCol>
                 <a:gridCol w="792111">
                   <a:extLst>
                     <a:ext uri="{9D8B030D-6E8A-4147-A177-3AD203B41FA5}">
-                      <a16:colId xmlns:a16="http://schemas.microsoft.com/office/drawing/2014/main" xmlns="" val="266676610"/>
+                      <a16:colId xmlns="" xmlns:a16="http://schemas.microsoft.com/office/drawing/2014/main" val="266676610"/>
                     </a:ext>
                   </a:extLst>
                 </a:gridCol>
                 <a:gridCol w="542262">
                   <a:extLst>
                     <a:ext uri="{9D8B030D-6E8A-4147-A177-3AD203B41FA5}">
-                      <a16:colId xmlns:a16="http://schemas.microsoft.com/office/drawing/2014/main" xmlns="" val="942401066"/>
+                      <a16:colId xmlns="" xmlns:a16="http://schemas.microsoft.com/office/drawing/2014/main" val="942401066"/>
                     </a:ext>
                   </a:extLst>
                 </a:gridCol>
                 <a:gridCol w="792111">
                   <a:extLst>
                     <a:ext uri="{9D8B030D-6E8A-4147-A177-3AD203B41FA5}">
-                      <a16:colId xmlns:a16="http://schemas.microsoft.com/office/drawing/2014/main" xmlns="" val="3615828610"/>
+                      <a16:colId xmlns="" xmlns:a16="http://schemas.microsoft.com/office/drawing/2014/main" val="3615828610"/>
                     </a:ext>
                   </a:extLst>
                 </a:gridCol>
                 <a:gridCol w="592781">
                   <a:extLst>
                     <a:ext uri="{9D8B030D-6E8A-4147-A177-3AD203B41FA5}">
-                      <a16:colId xmlns:a16="http://schemas.microsoft.com/office/drawing/2014/main" xmlns="" val="1522508625"/>
+                      <a16:colId xmlns="" xmlns:a16="http://schemas.microsoft.com/office/drawing/2014/main" val="1522508625"/>
                     </a:ext>
                   </a:extLst>
                 </a:gridCol>
                 <a:gridCol w="792111">
                   <a:extLst>
                     <a:ext uri="{9D8B030D-6E8A-4147-A177-3AD203B41FA5}">
-                      <a16:colId xmlns:a16="http://schemas.microsoft.com/office/drawing/2014/main" xmlns="" val="1271389642"/>
+                      <a16:colId xmlns="" xmlns:a16="http://schemas.microsoft.com/office/drawing/2014/main" val="1271389642"/>
                     </a:ext>
                   </a:extLst>
                 </a:gridCol>
                 <a:gridCol w="542262">
                   <a:extLst>
                     <a:ext uri="{9D8B030D-6E8A-4147-A177-3AD203B41FA5}">
-                      <a16:colId xmlns:a16="http://schemas.microsoft.com/office/drawing/2014/main" xmlns="" val="2318853554"/>
+                      <a16:colId xmlns="" xmlns:a16="http://schemas.microsoft.com/office/drawing/2014/main" val="2318853554"/>
                     </a:ext>
                   </a:extLst>
                 </a:gridCol>
                 <a:gridCol w="792111">
                   <a:extLst>
                     <a:ext uri="{9D8B030D-6E8A-4147-A177-3AD203B41FA5}">
-                      <a16:colId xmlns:a16="http://schemas.microsoft.com/office/drawing/2014/main" xmlns="" val="1107099803"/>
+                      <a16:colId xmlns="" xmlns:a16="http://schemas.microsoft.com/office/drawing/2014/main" val="1107099803"/>
                     </a:ext>
                   </a:extLst>
                 </a:gridCol>
@@ -13620,7 +13620,7 @@
                 </a:tc>
                 <a:extLst>
                   <a:ext uri="{0D108BD9-81ED-4DB2-BD59-A6C34878D82A}">
-                    <a16:rowId xmlns:a16="http://schemas.microsoft.com/office/drawing/2014/main" xmlns="" val="1738664862"/>
+                    <a16:rowId xmlns="" xmlns:a16="http://schemas.microsoft.com/office/drawing/2014/main" val="1738664862"/>
                   </a:ext>
                 </a:extLst>
               </a:tr>
@@ -14127,7 +14127,7 @@
                 </a:tc>
                 <a:extLst>
                   <a:ext uri="{0D108BD9-81ED-4DB2-BD59-A6C34878D82A}">
-                    <a16:rowId xmlns:a16="http://schemas.microsoft.com/office/drawing/2014/main" xmlns="" val="3193694652"/>
+                    <a16:rowId xmlns="" xmlns:a16="http://schemas.microsoft.com/office/drawing/2014/main" val="3193694652"/>
                   </a:ext>
                 </a:extLst>
               </a:tr>
@@ -14679,7 +14679,7 @@
                 </a:tc>
                 <a:extLst>
                   <a:ext uri="{0D108BD9-81ED-4DB2-BD59-A6C34878D82A}">
-                    <a16:rowId xmlns:a16="http://schemas.microsoft.com/office/drawing/2014/main" xmlns="" val="3133626451"/>
+                    <a16:rowId xmlns="" xmlns:a16="http://schemas.microsoft.com/office/drawing/2014/main" val="3133626451"/>
                   </a:ext>
                 </a:extLst>
               </a:tr>
@@ -15165,7 +15165,7 @@
                 </a:tc>
                 <a:extLst>
                   <a:ext uri="{0D108BD9-81ED-4DB2-BD59-A6C34878D82A}">
-                    <a16:rowId xmlns:a16="http://schemas.microsoft.com/office/drawing/2014/main" xmlns="" val="2416649665"/>
+                    <a16:rowId xmlns="" xmlns:a16="http://schemas.microsoft.com/office/drawing/2014/main" val="2416649665"/>
                   </a:ext>
                 </a:extLst>
               </a:tr>
@@ -15651,7 +15651,7 @@
                 </a:tc>
                 <a:extLst>
                   <a:ext uri="{0D108BD9-81ED-4DB2-BD59-A6C34878D82A}">
-                    <a16:rowId xmlns:a16="http://schemas.microsoft.com/office/drawing/2014/main" xmlns="" val="283698944"/>
+                    <a16:rowId xmlns="" xmlns:a16="http://schemas.microsoft.com/office/drawing/2014/main" val="283698944"/>
                   </a:ext>
                 </a:extLst>
               </a:tr>
@@ -16137,7 +16137,7 @@
                 </a:tc>
                 <a:extLst>
                   <a:ext uri="{0D108BD9-81ED-4DB2-BD59-A6C34878D82A}">
-                    <a16:rowId xmlns:a16="http://schemas.microsoft.com/office/drawing/2014/main" xmlns="" val="1144129731"/>
+                    <a16:rowId xmlns="" xmlns:a16="http://schemas.microsoft.com/office/drawing/2014/main" val="1144129731"/>
                   </a:ext>
                 </a:extLst>
               </a:tr>
@@ -16623,7 +16623,7 @@
                 </a:tc>
                 <a:extLst>
                   <a:ext uri="{0D108BD9-81ED-4DB2-BD59-A6C34878D82A}">
-                    <a16:rowId xmlns:a16="http://schemas.microsoft.com/office/drawing/2014/main" xmlns="" val="2833751269"/>
+                    <a16:rowId xmlns="" xmlns:a16="http://schemas.microsoft.com/office/drawing/2014/main" val="2833751269"/>
                   </a:ext>
                 </a:extLst>
               </a:tr>
@@ -17175,7 +17175,7 @@
                 </a:tc>
                 <a:extLst>
                   <a:ext uri="{0D108BD9-81ED-4DB2-BD59-A6C34878D82A}">
-                    <a16:rowId xmlns:a16="http://schemas.microsoft.com/office/drawing/2014/main" xmlns="" val="1791783253"/>
+                    <a16:rowId xmlns="" xmlns:a16="http://schemas.microsoft.com/office/drawing/2014/main" val="1791783253"/>
                   </a:ext>
                 </a:extLst>
               </a:tr>
@@ -17188,7 +17188,7 @@
           <p:cNvPr id="12" name="TextBox 11">
             <a:extLst>
               <a:ext uri="{FF2B5EF4-FFF2-40B4-BE49-F238E27FC236}">
-                <a16:creationId xmlns:a16="http://schemas.microsoft.com/office/drawing/2014/main" xmlns="" id="{6F8C38F4-7C57-EB76-FF0F-CA67844C292B}"/>
+                <a16:creationId xmlns="" xmlns:a16="http://schemas.microsoft.com/office/drawing/2014/main" id="{6F8C38F4-7C57-EB76-FF0F-CA67844C292B}"/>
               </a:ext>
             </a:extLst>
           </p:cNvPr>
@@ -17256,7 +17256,7 @@
           <p:cNvPr id="5" name="TextBox 4">
             <a:extLst>
               <a:ext uri="{FF2B5EF4-FFF2-40B4-BE49-F238E27FC236}">
-                <a16:creationId xmlns:a16="http://schemas.microsoft.com/office/drawing/2014/main" xmlns="" id="{7A167E24-A9F2-EBE5-314F-01BA03680861}"/>
+                <a16:creationId xmlns="" xmlns:a16="http://schemas.microsoft.com/office/drawing/2014/main" id="{7A167E24-A9F2-EBE5-314F-01BA03680861}"/>
               </a:ext>
             </a:extLst>
           </p:cNvPr>
@@ -17294,7 +17294,7 @@
           <p:cNvPr id="3" name="TextBox 2">
             <a:extLst>
               <a:ext uri="{FF2B5EF4-FFF2-40B4-BE49-F238E27FC236}">
-                <a16:creationId xmlns:a16="http://schemas.microsoft.com/office/drawing/2014/main" xmlns="" id="{C27648FA-6B4C-60DD-ADFE-54CEF206FAC9}"/>
+                <a16:creationId xmlns="" xmlns:a16="http://schemas.microsoft.com/office/drawing/2014/main" id="{C27648FA-6B4C-60DD-ADFE-54CEF206FAC9}"/>
               </a:ext>
             </a:extLst>
           </p:cNvPr>
@@ -17349,7 +17349,7 @@
           <p:cNvPr id="4" name="TextBox 3">
             <a:extLst>
               <a:ext uri="{FF2B5EF4-FFF2-40B4-BE49-F238E27FC236}">
-                <a16:creationId xmlns:a16="http://schemas.microsoft.com/office/drawing/2014/main" xmlns="" id="{8DD63C2B-BE03-6C4C-DCB1-11C31ECC55E5}"/>
+                <a16:creationId xmlns="" xmlns:a16="http://schemas.microsoft.com/office/drawing/2014/main" id="{8DD63C2B-BE03-6C4C-DCB1-11C31ECC55E5}"/>
               </a:ext>
             </a:extLst>
           </p:cNvPr>
@@ -17387,7 +17387,7 @@
           <p:cNvPr id="7" name="Straight Connector 6">
             <a:extLst>
               <a:ext uri="{FF2B5EF4-FFF2-40B4-BE49-F238E27FC236}">
-                <a16:creationId xmlns:a16="http://schemas.microsoft.com/office/drawing/2014/main" xmlns="" id="{FCB4C684-04E3-E49B-7488-ECF56AFAD034}"/>
+                <a16:creationId xmlns="" xmlns:a16="http://schemas.microsoft.com/office/drawing/2014/main" id="{FCB4C684-04E3-E49B-7488-ECF56AFAD034}"/>
               </a:ext>
             </a:extLst>
           </p:cNvPr>
@@ -17439,7 +17439,7 @@
           <p:cNvPr id="8" name="TextBox 7">
             <a:extLst>
               <a:ext uri="{FF2B5EF4-FFF2-40B4-BE49-F238E27FC236}">
-                <a16:creationId xmlns:a16="http://schemas.microsoft.com/office/drawing/2014/main" xmlns="" id="{3765D4BC-2B2E-9419-F240-B3E2B3E329E9}"/>
+                <a16:creationId xmlns="" xmlns:a16="http://schemas.microsoft.com/office/drawing/2014/main" id="{3765D4BC-2B2E-9419-F240-B3E2B3E329E9}"/>
               </a:ext>
             </a:extLst>
           </p:cNvPr>
@@ -17477,7 +17477,7 @@
           <p:cNvPr id="9" name="TextBox 8">
             <a:extLst>
               <a:ext uri="{FF2B5EF4-FFF2-40B4-BE49-F238E27FC236}">
-                <a16:creationId xmlns:a16="http://schemas.microsoft.com/office/drawing/2014/main" xmlns="" id="{534DFC7A-735D-3A9A-66DB-4D40728C459D}"/>
+                <a16:creationId xmlns="" xmlns:a16="http://schemas.microsoft.com/office/drawing/2014/main" id="{534DFC7A-735D-3A9A-66DB-4D40728C459D}"/>
               </a:ext>
             </a:extLst>
           </p:cNvPr>
@@ -17536,63 +17536,63 @@
                 <a:gridCol w="907041">
                   <a:extLst>
                     <a:ext uri="{9D8B030D-6E8A-4147-A177-3AD203B41FA5}">
-                      <a16:colId xmlns:a16="http://schemas.microsoft.com/office/drawing/2014/main" xmlns="" val="20000"/>
+                      <a16:colId xmlns="" xmlns:a16="http://schemas.microsoft.com/office/drawing/2014/main" val="20000"/>
                     </a:ext>
                   </a:extLst>
                 </a:gridCol>
                 <a:gridCol w="458162">
                   <a:extLst>
                     <a:ext uri="{9D8B030D-6E8A-4147-A177-3AD203B41FA5}">
-                      <a16:colId xmlns:a16="http://schemas.microsoft.com/office/drawing/2014/main" xmlns="" val="20001"/>
+                      <a16:colId xmlns="" xmlns:a16="http://schemas.microsoft.com/office/drawing/2014/main" val="20001"/>
                     </a:ext>
                   </a:extLst>
                 </a:gridCol>
                 <a:gridCol w="777108">
                   <a:extLst>
                     <a:ext uri="{9D8B030D-6E8A-4147-A177-3AD203B41FA5}">
-                      <a16:colId xmlns:a16="http://schemas.microsoft.com/office/drawing/2014/main" xmlns="" val="20002"/>
+                      <a16:colId xmlns="" xmlns:a16="http://schemas.microsoft.com/office/drawing/2014/main" val="20002"/>
                     </a:ext>
                   </a:extLst>
                 </a:gridCol>
                 <a:gridCol w="375874">
                   <a:extLst>
                     <a:ext uri="{9D8B030D-6E8A-4147-A177-3AD203B41FA5}">
-                      <a16:colId xmlns:a16="http://schemas.microsoft.com/office/drawing/2014/main" xmlns="" val="20003"/>
+                      <a16:colId xmlns="" xmlns:a16="http://schemas.microsoft.com/office/drawing/2014/main" val="20003"/>
                     </a:ext>
                   </a:extLst>
                 </a:gridCol>
                 <a:gridCol w="725280">
                   <a:extLst>
                     <a:ext uri="{9D8B030D-6E8A-4147-A177-3AD203B41FA5}">
-                      <a16:colId xmlns:a16="http://schemas.microsoft.com/office/drawing/2014/main" xmlns="" val="20004"/>
+                      <a16:colId xmlns="" xmlns:a16="http://schemas.microsoft.com/office/drawing/2014/main" val="20004"/>
                     </a:ext>
                   </a:extLst>
                 </a:gridCol>
                 <a:gridCol w="431691">
                   <a:extLst>
                     <a:ext uri="{9D8B030D-6E8A-4147-A177-3AD203B41FA5}">
-                      <a16:colId xmlns:a16="http://schemas.microsoft.com/office/drawing/2014/main" xmlns="" val="20005"/>
+                      <a16:colId xmlns="" xmlns:a16="http://schemas.microsoft.com/office/drawing/2014/main" val="20005"/>
                     </a:ext>
                   </a:extLst>
                 </a:gridCol>
                 <a:gridCol w="777108">
                   <a:extLst>
                     <a:ext uri="{9D8B030D-6E8A-4147-A177-3AD203B41FA5}">
-                      <a16:colId xmlns:a16="http://schemas.microsoft.com/office/drawing/2014/main" xmlns="" val="20006"/>
+                      <a16:colId xmlns="" xmlns:a16="http://schemas.microsoft.com/office/drawing/2014/main" val="20006"/>
                     </a:ext>
                   </a:extLst>
                 </a:gridCol>
                 <a:gridCol w="393522">
                   <a:extLst>
                     <a:ext uri="{9D8B030D-6E8A-4147-A177-3AD203B41FA5}">
-                      <a16:colId xmlns:a16="http://schemas.microsoft.com/office/drawing/2014/main" xmlns="" val="20007"/>
+                      <a16:colId xmlns="" xmlns:a16="http://schemas.microsoft.com/office/drawing/2014/main" val="20007"/>
                     </a:ext>
                   </a:extLst>
                 </a:gridCol>
                 <a:gridCol w="725280">
                   <a:extLst>
                     <a:ext uri="{9D8B030D-6E8A-4147-A177-3AD203B41FA5}">
-                      <a16:colId xmlns:a16="http://schemas.microsoft.com/office/drawing/2014/main" xmlns="" val="122259275"/>
+                      <a16:colId xmlns="" xmlns:a16="http://schemas.microsoft.com/office/drawing/2014/main" val="122259275"/>
                     </a:ext>
                   </a:extLst>
                 </a:gridCol>
@@ -17969,7 +17969,7 @@
                 </a:tc>
                 <a:extLst>
                   <a:ext uri="{0D108BD9-81ED-4DB2-BD59-A6C34878D82A}">
-                    <a16:rowId xmlns:a16="http://schemas.microsoft.com/office/drawing/2014/main" xmlns="" val="10000"/>
+                    <a16:rowId xmlns="" xmlns:a16="http://schemas.microsoft.com/office/drawing/2014/main" val="10000"/>
                   </a:ext>
                 </a:extLst>
               </a:tr>
@@ -18394,7 +18394,7 @@
                 </a:tc>
                 <a:extLst>
                   <a:ext uri="{0D108BD9-81ED-4DB2-BD59-A6C34878D82A}">
-                    <a16:rowId xmlns:a16="http://schemas.microsoft.com/office/drawing/2014/main" xmlns="" val="10001"/>
+                    <a16:rowId xmlns="" xmlns:a16="http://schemas.microsoft.com/office/drawing/2014/main" val="10001"/>
                   </a:ext>
                 </a:extLst>
               </a:tr>
@@ -18851,7 +18851,7 @@
                 </a:tc>
                 <a:extLst>
                   <a:ext uri="{0D108BD9-81ED-4DB2-BD59-A6C34878D82A}">
-                    <a16:rowId xmlns:a16="http://schemas.microsoft.com/office/drawing/2014/main" xmlns="" val="10002"/>
+                    <a16:rowId xmlns="" xmlns:a16="http://schemas.microsoft.com/office/drawing/2014/main" val="10002"/>
                   </a:ext>
                 </a:extLst>
               </a:tr>
@@ -19261,7 +19261,7 @@
                 </a:tc>
                 <a:extLst>
                   <a:ext uri="{0D108BD9-81ED-4DB2-BD59-A6C34878D82A}">
-                    <a16:rowId xmlns:a16="http://schemas.microsoft.com/office/drawing/2014/main" xmlns="" val="10003"/>
+                    <a16:rowId xmlns="" xmlns:a16="http://schemas.microsoft.com/office/drawing/2014/main" val="10003"/>
                   </a:ext>
                 </a:extLst>
               </a:tr>
@@ -19664,7 +19664,7 @@
                 </a:tc>
                 <a:extLst>
                   <a:ext uri="{0D108BD9-81ED-4DB2-BD59-A6C34878D82A}">
-                    <a16:rowId xmlns:a16="http://schemas.microsoft.com/office/drawing/2014/main" xmlns="" val="10004"/>
+                    <a16:rowId xmlns="" xmlns:a16="http://schemas.microsoft.com/office/drawing/2014/main" val="10004"/>
                   </a:ext>
                 </a:extLst>
               </a:tr>
@@ -20067,7 +20067,7 @@
                 </a:tc>
                 <a:extLst>
                   <a:ext uri="{0D108BD9-81ED-4DB2-BD59-A6C34878D82A}">
-                    <a16:rowId xmlns:a16="http://schemas.microsoft.com/office/drawing/2014/main" xmlns="" val="10005"/>
+                    <a16:rowId xmlns="" xmlns:a16="http://schemas.microsoft.com/office/drawing/2014/main" val="10005"/>
                   </a:ext>
                 </a:extLst>
               </a:tr>
@@ -20524,7 +20524,7 @@
                 </a:tc>
                 <a:extLst>
                   <a:ext uri="{0D108BD9-81ED-4DB2-BD59-A6C34878D82A}">
-                    <a16:rowId xmlns:a16="http://schemas.microsoft.com/office/drawing/2014/main" xmlns="" val="10006"/>
+                    <a16:rowId xmlns="" xmlns:a16="http://schemas.microsoft.com/office/drawing/2014/main" val="10006"/>
                   </a:ext>
                 </a:extLst>
               </a:tr>
@@ -20558,63 +20558,63 @@
                 <a:gridCol w="942570">
                   <a:extLst>
                     <a:ext uri="{9D8B030D-6E8A-4147-A177-3AD203B41FA5}">
-                      <a16:colId xmlns:a16="http://schemas.microsoft.com/office/drawing/2014/main" xmlns="" val="20000"/>
+                      <a16:colId xmlns="" xmlns:a16="http://schemas.microsoft.com/office/drawing/2014/main" val="20000"/>
                     </a:ext>
                   </a:extLst>
                 </a:gridCol>
                 <a:gridCol w="368592">
                   <a:extLst>
                     <a:ext uri="{9D8B030D-6E8A-4147-A177-3AD203B41FA5}">
-                      <a16:colId xmlns:a16="http://schemas.microsoft.com/office/drawing/2014/main" xmlns="" val="20001"/>
+                      <a16:colId xmlns="" xmlns:a16="http://schemas.microsoft.com/office/drawing/2014/main" val="20001"/>
                     </a:ext>
                   </a:extLst>
                 </a:gridCol>
                 <a:gridCol w="753690">
                   <a:extLst>
                     <a:ext uri="{9D8B030D-6E8A-4147-A177-3AD203B41FA5}">
-                      <a16:colId xmlns:a16="http://schemas.microsoft.com/office/drawing/2014/main" xmlns="" val="20002"/>
+                      <a16:colId xmlns="" xmlns:a16="http://schemas.microsoft.com/office/drawing/2014/main" val="20002"/>
                     </a:ext>
                   </a:extLst>
                 </a:gridCol>
                 <a:gridCol w="359424">
                   <a:extLst>
                     <a:ext uri="{9D8B030D-6E8A-4147-A177-3AD203B41FA5}">
-                      <a16:colId xmlns:a16="http://schemas.microsoft.com/office/drawing/2014/main" xmlns="" val="20003"/>
+                      <a16:colId xmlns="" xmlns:a16="http://schemas.microsoft.com/office/drawing/2014/main" val="20003"/>
                     </a:ext>
                   </a:extLst>
                 </a:gridCol>
                 <a:gridCol w="753690">
                   <a:extLst>
                     <a:ext uri="{9D8B030D-6E8A-4147-A177-3AD203B41FA5}">
-                      <a16:colId xmlns:a16="http://schemas.microsoft.com/office/drawing/2014/main" xmlns="" val="20004"/>
+                      <a16:colId xmlns="" xmlns:a16="http://schemas.microsoft.com/office/drawing/2014/main" val="20004"/>
                     </a:ext>
                   </a:extLst>
                 </a:gridCol>
                 <a:gridCol w="427273">
                   <a:extLst>
                     <a:ext uri="{9D8B030D-6E8A-4147-A177-3AD203B41FA5}">
-                      <a16:colId xmlns:a16="http://schemas.microsoft.com/office/drawing/2014/main" xmlns="" val="20005"/>
+                      <a16:colId xmlns="" xmlns:a16="http://schemas.microsoft.com/office/drawing/2014/main" val="20005"/>
                     </a:ext>
                   </a:extLst>
                 </a:gridCol>
                 <a:gridCol w="753690">
                   <a:extLst>
                     <a:ext uri="{9D8B030D-6E8A-4147-A177-3AD203B41FA5}">
-                      <a16:colId xmlns:a16="http://schemas.microsoft.com/office/drawing/2014/main" xmlns="" val="20006"/>
+                      <a16:colId xmlns="" xmlns:a16="http://schemas.microsoft.com/office/drawing/2014/main" val="20006"/>
                     </a:ext>
                   </a:extLst>
                 </a:gridCol>
                 <a:gridCol w="458448">
                   <a:extLst>
                     <a:ext uri="{9D8B030D-6E8A-4147-A177-3AD203B41FA5}">
-                      <a16:colId xmlns:a16="http://schemas.microsoft.com/office/drawing/2014/main" xmlns="" val="20007"/>
+                      <a16:colId xmlns="" xmlns:a16="http://schemas.microsoft.com/office/drawing/2014/main" val="20007"/>
                     </a:ext>
                   </a:extLst>
                 </a:gridCol>
                 <a:gridCol w="753690">
                   <a:extLst>
                     <a:ext uri="{9D8B030D-6E8A-4147-A177-3AD203B41FA5}">
-                      <a16:colId xmlns:a16="http://schemas.microsoft.com/office/drawing/2014/main" xmlns="" val="4172863517"/>
+                      <a16:colId xmlns="" xmlns:a16="http://schemas.microsoft.com/office/drawing/2014/main" val="4172863517"/>
                     </a:ext>
                   </a:extLst>
                 </a:gridCol>
@@ -20991,7 +20991,7 @@
                 </a:tc>
                 <a:extLst>
                   <a:ext uri="{0D108BD9-81ED-4DB2-BD59-A6C34878D82A}">
-                    <a16:rowId xmlns:a16="http://schemas.microsoft.com/office/drawing/2014/main" xmlns="" val="10000"/>
+                    <a16:rowId xmlns="" xmlns:a16="http://schemas.microsoft.com/office/drawing/2014/main" val="10000"/>
                   </a:ext>
                 </a:extLst>
               </a:tr>
@@ -21416,7 +21416,7 @@
                 </a:tc>
                 <a:extLst>
                   <a:ext uri="{0D108BD9-81ED-4DB2-BD59-A6C34878D82A}">
-                    <a16:rowId xmlns:a16="http://schemas.microsoft.com/office/drawing/2014/main" xmlns="" val="10001"/>
+                    <a16:rowId xmlns="" xmlns:a16="http://schemas.microsoft.com/office/drawing/2014/main" val="10001"/>
                   </a:ext>
                 </a:extLst>
               </a:tr>
@@ -21873,7 +21873,7 @@
                 </a:tc>
                 <a:extLst>
                   <a:ext uri="{0D108BD9-81ED-4DB2-BD59-A6C34878D82A}">
-                    <a16:rowId xmlns:a16="http://schemas.microsoft.com/office/drawing/2014/main" xmlns="" val="10002"/>
+                    <a16:rowId xmlns="" xmlns:a16="http://schemas.microsoft.com/office/drawing/2014/main" val="10002"/>
                   </a:ext>
                 </a:extLst>
               </a:tr>
@@ -22276,7 +22276,7 @@
                 </a:tc>
                 <a:extLst>
                   <a:ext uri="{0D108BD9-81ED-4DB2-BD59-A6C34878D82A}">
-                    <a16:rowId xmlns:a16="http://schemas.microsoft.com/office/drawing/2014/main" xmlns="" val="10003"/>
+                    <a16:rowId xmlns="" xmlns:a16="http://schemas.microsoft.com/office/drawing/2014/main" val="10003"/>
                   </a:ext>
                 </a:extLst>
               </a:tr>
@@ -22679,7 +22679,7 @@
                 </a:tc>
                 <a:extLst>
                   <a:ext uri="{0D108BD9-81ED-4DB2-BD59-A6C34878D82A}">
-                    <a16:rowId xmlns:a16="http://schemas.microsoft.com/office/drawing/2014/main" xmlns="" val="10004"/>
+                    <a16:rowId xmlns="" xmlns:a16="http://schemas.microsoft.com/office/drawing/2014/main" val="10004"/>
                   </a:ext>
                 </a:extLst>
               </a:tr>
@@ -23082,7 +23082,7 @@
                 </a:tc>
                 <a:extLst>
                   <a:ext uri="{0D108BD9-81ED-4DB2-BD59-A6C34878D82A}">
-                    <a16:rowId xmlns:a16="http://schemas.microsoft.com/office/drawing/2014/main" xmlns="" val="10005"/>
+                    <a16:rowId xmlns="" xmlns:a16="http://schemas.microsoft.com/office/drawing/2014/main" val="10005"/>
                   </a:ext>
                 </a:extLst>
               </a:tr>
@@ -23539,7 +23539,7 @@
                 </a:tc>
                 <a:extLst>
                   <a:ext uri="{0D108BD9-81ED-4DB2-BD59-A6C34878D82A}">
-                    <a16:rowId xmlns:a16="http://schemas.microsoft.com/office/drawing/2014/main" xmlns="" val="10006"/>
+                    <a16:rowId xmlns="" xmlns:a16="http://schemas.microsoft.com/office/drawing/2014/main" val="10006"/>
                   </a:ext>
                 </a:extLst>
               </a:tr>
@@ -23552,7 +23552,7 @@
           <p:cNvPr id="26" name="TextBox 25">
             <a:extLst>
               <a:ext uri="{FF2B5EF4-FFF2-40B4-BE49-F238E27FC236}">
-                <a16:creationId xmlns:a16="http://schemas.microsoft.com/office/drawing/2014/main" xmlns="" id="{C27648FA-6B4C-60DD-ADFE-54CEF206FAC9}"/>
+                <a16:creationId xmlns="" xmlns:a16="http://schemas.microsoft.com/office/drawing/2014/main" id="{C27648FA-6B4C-60DD-ADFE-54CEF206FAC9}"/>
               </a:ext>
             </a:extLst>
           </p:cNvPr>
@@ -23607,7 +23607,7 @@
           <p:cNvPr id="27" name="TextBox 26">
             <a:extLst>
               <a:ext uri="{FF2B5EF4-FFF2-40B4-BE49-F238E27FC236}">
-                <a16:creationId xmlns:a16="http://schemas.microsoft.com/office/drawing/2014/main" xmlns="" id="{8DD63C2B-BE03-6C4C-DCB1-11C31ECC55E5}"/>
+                <a16:creationId xmlns="" xmlns:a16="http://schemas.microsoft.com/office/drawing/2014/main" id="{8DD63C2B-BE03-6C4C-DCB1-11C31ECC55E5}"/>
               </a:ext>
             </a:extLst>
           </p:cNvPr>
@@ -23645,7 +23645,7 @@
           <p:cNvPr id="28" name="Straight Connector 27">
             <a:extLst>
               <a:ext uri="{FF2B5EF4-FFF2-40B4-BE49-F238E27FC236}">
-                <a16:creationId xmlns:a16="http://schemas.microsoft.com/office/drawing/2014/main" xmlns="" id="{FCB4C684-04E3-E49B-7488-ECF56AFAD034}"/>
+                <a16:creationId xmlns="" xmlns:a16="http://schemas.microsoft.com/office/drawing/2014/main" id="{FCB4C684-04E3-E49B-7488-ECF56AFAD034}"/>
               </a:ext>
             </a:extLst>
           </p:cNvPr>
@@ -23697,7 +23697,7 @@
           <p:cNvPr id="2" name="Table 1">
             <a:extLst>
               <a:ext uri="{FF2B5EF4-FFF2-40B4-BE49-F238E27FC236}">
-                <a16:creationId xmlns:a16="http://schemas.microsoft.com/office/drawing/2014/main" xmlns="" id="{E0F3DF48-9ECE-79B1-597E-48EDCB3A70D0}"/>
+                <a16:creationId xmlns="" xmlns:a16="http://schemas.microsoft.com/office/drawing/2014/main" id="{E0F3DF48-9ECE-79B1-597E-48EDCB3A70D0}"/>
               </a:ext>
             </a:extLst>
           </p:cNvPr>
@@ -23724,21 +23724,21 @@
                 <a:gridCol w="1728279">
                   <a:extLst>
                     <a:ext uri="{9D8B030D-6E8A-4147-A177-3AD203B41FA5}">
-                      <a16:colId xmlns:a16="http://schemas.microsoft.com/office/drawing/2014/main" xmlns="" val="1961207681"/>
+                      <a16:colId xmlns="" xmlns:a16="http://schemas.microsoft.com/office/drawing/2014/main" val="1961207681"/>
                     </a:ext>
                   </a:extLst>
                 </a:gridCol>
                 <a:gridCol w="580717">
                   <a:extLst>
                     <a:ext uri="{9D8B030D-6E8A-4147-A177-3AD203B41FA5}">
-                      <a16:colId xmlns:a16="http://schemas.microsoft.com/office/drawing/2014/main" xmlns="" val="575932453"/>
+                      <a16:colId xmlns="" xmlns:a16="http://schemas.microsoft.com/office/drawing/2014/main" val="575932453"/>
                     </a:ext>
                   </a:extLst>
                 </a:gridCol>
                 <a:gridCol w="1155490">
                   <a:extLst>
                     <a:ext uri="{9D8B030D-6E8A-4147-A177-3AD203B41FA5}">
-                      <a16:colId xmlns:a16="http://schemas.microsoft.com/office/drawing/2014/main" xmlns="" val="1835175803"/>
+                      <a16:colId xmlns="" xmlns:a16="http://schemas.microsoft.com/office/drawing/2014/main" val="1835175803"/>
                     </a:ext>
                   </a:extLst>
                 </a:gridCol>
@@ -23914,7 +23914,7 @@
                 </a:tc>
                 <a:extLst>
                   <a:ext uri="{0D108BD9-81ED-4DB2-BD59-A6C34878D82A}">
-                    <a16:rowId xmlns:a16="http://schemas.microsoft.com/office/drawing/2014/main" xmlns="" val="3383272997"/>
+                    <a16:rowId xmlns="" xmlns:a16="http://schemas.microsoft.com/office/drawing/2014/main" val="3383272997"/>
                   </a:ext>
                 </a:extLst>
               </a:tr>
@@ -24071,7 +24071,7 @@
                 </a:tc>
                 <a:extLst>
                   <a:ext uri="{0D108BD9-81ED-4DB2-BD59-A6C34878D82A}">
-                    <a16:rowId xmlns:a16="http://schemas.microsoft.com/office/drawing/2014/main" xmlns="" val="2196316260"/>
+                    <a16:rowId xmlns="" xmlns:a16="http://schemas.microsoft.com/office/drawing/2014/main" val="2196316260"/>
                   </a:ext>
                 </a:extLst>
               </a:tr>
@@ -24210,7 +24210,7 @@
                 </a:tc>
                 <a:extLst>
                   <a:ext uri="{0D108BD9-81ED-4DB2-BD59-A6C34878D82A}">
-                    <a16:rowId xmlns:a16="http://schemas.microsoft.com/office/drawing/2014/main" xmlns="" val="2418122170"/>
+                    <a16:rowId xmlns="" xmlns:a16="http://schemas.microsoft.com/office/drawing/2014/main" val="2418122170"/>
                   </a:ext>
                 </a:extLst>
               </a:tr>
@@ -24349,7 +24349,7 @@
                 </a:tc>
                 <a:extLst>
                   <a:ext uri="{0D108BD9-81ED-4DB2-BD59-A6C34878D82A}">
-                    <a16:rowId xmlns:a16="http://schemas.microsoft.com/office/drawing/2014/main" xmlns="" val="3286326041"/>
+                    <a16:rowId xmlns="" xmlns:a16="http://schemas.microsoft.com/office/drawing/2014/main" val="3286326041"/>
                   </a:ext>
                 </a:extLst>
               </a:tr>
@@ -24488,7 +24488,7 @@
                 </a:tc>
                 <a:extLst>
                   <a:ext uri="{0D108BD9-81ED-4DB2-BD59-A6C34878D82A}">
-                    <a16:rowId xmlns:a16="http://schemas.microsoft.com/office/drawing/2014/main" xmlns="" val="935290489"/>
+                    <a16:rowId xmlns="" xmlns:a16="http://schemas.microsoft.com/office/drawing/2014/main" val="935290489"/>
                   </a:ext>
                 </a:extLst>
               </a:tr>
@@ -24627,7 +24627,7 @@
                 </a:tc>
                 <a:extLst>
                   <a:ext uri="{0D108BD9-81ED-4DB2-BD59-A6C34878D82A}">
-                    <a16:rowId xmlns:a16="http://schemas.microsoft.com/office/drawing/2014/main" xmlns="" val="25084068"/>
+                    <a16:rowId xmlns="" xmlns:a16="http://schemas.microsoft.com/office/drawing/2014/main" val="25084068"/>
                   </a:ext>
                 </a:extLst>
               </a:tr>
@@ -24766,7 +24766,7 @@
                 </a:tc>
                 <a:extLst>
                   <a:ext uri="{0D108BD9-81ED-4DB2-BD59-A6C34878D82A}">
-                    <a16:rowId xmlns:a16="http://schemas.microsoft.com/office/drawing/2014/main" xmlns="" val="3206212972"/>
+                    <a16:rowId xmlns="" xmlns:a16="http://schemas.microsoft.com/office/drawing/2014/main" val="3206212972"/>
                   </a:ext>
                 </a:extLst>
               </a:tr>
@@ -24905,7 +24905,7 @@
                 </a:tc>
                 <a:extLst>
                   <a:ext uri="{0D108BD9-81ED-4DB2-BD59-A6C34878D82A}">
-                    <a16:rowId xmlns:a16="http://schemas.microsoft.com/office/drawing/2014/main" xmlns="" val="1814071819"/>
+                    <a16:rowId xmlns="" xmlns:a16="http://schemas.microsoft.com/office/drawing/2014/main" val="1814071819"/>
                   </a:ext>
                 </a:extLst>
               </a:tr>
@@ -25044,7 +25044,7 @@
                 </a:tc>
                 <a:extLst>
                   <a:ext uri="{0D108BD9-81ED-4DB2-BD59-A6C34878D82A}">
-                    <a16:rowId xmlns:a16="http://schemas.microsoft.com/office/drawing/2014/main" xmlns="" val="74637429"/>
+                    <a16:rowId xmlns="" xmlns:a16="http://schemas.microsoft.com/office/drawing/2014/main" val="74637429"/>
                   </a:ext>
                 </a:extLst>
               </a:tr>
@@ -25183,7 +25183,7 @@
                 </a:tc>
                 <a:extLst>
                   <a:ext uri="{0D108BD9-81ED-4DB2-BD59-A6C34878D82A}">
-                    <a16:rowId xmlns:a16="http://schemas.microsoft.com/office/drawing/2014/main" xmlns="" val="1405187852"/>
+                    <a16:rowId xmlns="" xmlns:a16="http://schemas.microsoft.com/office/drawing/2014/main" val="1405187852"/>
                   </a:ext>
                 </a:extLst>
               </a:tr>
@@ -25322,7 +25322,7 @@
                 </a:tc>
                 <a:extLst>
                   <a:ext uri="{0D108BD9-81ED-4DB2-BD59-A6C34878D82A}">
-                    <a16:rowId xmlns:a16="http://schemas.microsoft.com/office/drawing/2014/main" xmlns="" val="103600693"/>
+                    <a16:rowId xmlns="" xmlns:a16="http://schemas.microsoft.com/office/drawing/2014/main" val="103600693"/>
                   </a:ext>
                 </a:extLst>
               </a:tr>
@@ -25461,7 +25461,7 @@
                 </a:tc>
                 <a:extLst>
                   <a:ext uri="{0D108BD9-81ED-4DB2-BD59-A6C34878D82A}">
-                    <a16:rowId xmlns:a16="http://schemas.microsoft.com/office/drawing/2014/main" xmlns="" val="3703378746"/>
+                    <a16:rowId xmlns="" xmlns:a16="http://schemas.microsoft.com/office/drawing/2014/main" val="3703378746"/>
                   </a:ext>
                 </a:extLst>
               </a:tr>
@@ -25600,7 +25600,7 @@
                 </a:tc>
                 <a:extLst>
                   <a:ext uri="{0D108BD9-81ED-4DB2-BD59-A6C34878D82A}">
-                    <a16:rowId xmlns:a16="http://schemas.microsoft.com/office/drawing/2014/main" xmlns="" val="1680262666"/>
+                    <a16:rowId xmlns="" xmlns:a16="http://schemas.microsoft.com/office/drawing/2014/main" val="1680262666"/>
                   </a:ext>
                 </a:extLst>
               </a:tr>
@@ -25739,7 +25739,7 @@
                 </a:tc>
                 <a:extLst>
                   <a:ext uri="{0D108BD9-81ED-4DB2-BD59-A6C34878D82A}">
-                    <a16:rowId xmlns:a16="http://schemas.microsoft.com/office/drawing/2014/main" xmlns="" val="480145619"/>
+                    <a16:rowId xmlns="" xmlns:a16="http://schemas.microsoft.com/office/drawing/2014/main" val="480145619"/>
                   </a:ext>
                 </a:extLst>
               </a:tr>
@@ -25878,7 +25878,7 @@
                 </a:tc>
                 <a:extLst>
                   <a:ext uri="{0D108BD9-81ED-4DB2-BD59-A6C34878D82A}">
-                    <a16:rowId xmlns:a16="http://schemas.microsoft.com/office/drawing/2014/main" xmlns="" val="3963506874"/>
+                    <a16:rowId xmlns="" xmlns:a16="http://schemas.microsoft.com/office/drawing/2014/main" val="3963506874"/>
                   </a:ext>
                 </a:extLst>
               </a:tr>
@@ -26017,7 +26017,7 @@
                 </a:tc>
                 <a:extLst>
                   <a:ext uri="{0D108BD9-81ED-4DB2-BD59-A6C34878D82A}">
-                    <a16:rowId xmlns:a16="http://schemas.microsoft.com/office/drawing/2014/main" xmlns="" val="3687297379"/>
+                    <a16:rowId xmlns="" xmlns:a16="http://schemas.microsoft.com/office/drawing/2014/main" val="3687297379"/>
                   </a:ext>
                 </a:extLst>
               </a:tr>
@@ -26156,7 +26156,7 @@
                 </a:tc>
                 <a:extLst>
                   <a:ext uri="{0D108BD9-81ED-4DB2-BD59-A6C34878D82A}">
-                    <a16:rowId xmlns:a16="http://schemas.microsoft.com/office/drawing/2014/main" xmlns="" val="919866128"/>
+                    <a16:rowId xmlns="" xmlns:a16="http://schemas.microsoft.com/office/drawing/2014/main" val="919866128"/>
                   </a:ext>
                 </a:extLst>
               </a:tr>
@@ -26313,7 +26313,7 @@
                 </a:tc>
                 <a:extLst>
                   <a:ext uri="{0D108BD9-81ED-4DB2-BD59-A6C34878D82A}">
-                    <a16:rowId xmlns:a16="http://schemas.microsoft.com/office/drawing/2014/main" xmlns="" val="2378772934"/>
+                    <a16:rowId xmlns="" xmlns:a16="http://schemas.microsoft.com/office/drawing/2014/main" val="2378772934"/>
                   </a:ext>
                 </a:extLst>
               </a:tr>
@@ -26326,7 +26326,7 @@
           <p:cNvPr id="6" name="TextBox 5">
             <a:extLst>
               <a:ext uri="{FF2B5EF4-FFF2-40B4-BE49-F238E27FC236}">
-                <a16:creationId xmlns:a16="http://schemas.microsoft.com/office/drawing/2014/main" xmlns="" id="{B333AA64-87A0-009F-DF53-CD8F2043C45A}"/>
+                <a16:creationId xmlns="" xmlns:a16="http://schemas.microsoft.com/office/drawing/2014/main" id="{B333AA64-87A0-009F-DF53-CD8F2043C45A}"/>
               </a:ext>
             </a:extLst>
           </p:cNvPr>
@@ -26394,7 +26394,7 @@
           <p:cNvPr id="5" name="TextBox 4">
             <a:extLst>
               <a:ext uri="{FF2B5EF4-FFF2-40B4-BE49-F238E27FC236}">
-                <a16:creationId xmlns:a16="http://schemas.microsoft.com/office/drawing/2014/main" xmlns="" id="{7A167E24-A9F2-EBE5-314F-01BA03680861}"/>
+                <a16:creationId xmlns="" xmlns:a16="http://schemas.microsoft.com/office/drawing/2014/main" id="{7A167E24-A9F2-EBE5-314F-01BA03680861}"/>
               </a:ext>
             </a:extLst>
           </p:cNvPr>
@@ -26432,7 +26432,7 @@
           <p:cNvPr id="3" name="TextBox 2">
             <a:extLst>
               <a:ext uri="{FF2B5EF4-FFF2-40B4-BE49-F238E27FC236}">
-                <a16:creationId xmlns:a16="http://schemas.microsoft.com/office/drawing/2014/main" xmlns="" id="{C27648FA-6B4C-60DD-ADFE-54CEF206FAC9}"/>
+                <a16:creationId xmlns="" xmlns:a16="http://schemas.microsoft.com/office/drawing/2014/main" id="{C27648FA-6B4C-60DD-ADFE-54CEF206FAC9}"/>
               </a:ext>
             </a:extLst>
           </p:cNvPr>
@@ -26487,7 +26487,7 @@
           <p:cNvPr id="4" name="TextBox 3">
             <a:extLst>
               <a:ext uri="{FF2B5EF4-FFF2-40B4-BE49-F238E27FC236}">
-                <a16:creationId xmlns:a16="http://schemas.microsoft.com/office/drawing/2014/main" xmlns="" id="{8DD63C2B-BE03-6C4C-DCB1-11C31ECC55E5}"/>
+                <a16:creationId xmlns="" xmlns:a16="http://schemas.microsoft.com/office/drawing/2014/main" id="{8DD63C2B-BE03-6C4C-DCB1-11C31ECC55E5}"/>
               </a:ext>
             </a:extLst>
           </p:cNvPr>
@@ -26525,7 +26525,7 @@
           <p:cNvPr id="7" name="Straight Connector 6">
             <a:extLst>
               <a:ext uri="{FF2B5EF4-FFF2-40B4-BE49-F238E27FC236}">
-                <a16:creationId xmlns:a16="http://schemas.microsoft.com/office/drawing/2014/main" xmlns="" id="{FCB4C684-04E3-E49B-7488-ECF56AFAD034}"/>
+                <a16:creationId xmlns="" xmlns:a16="http://schemas.microsoft.com/office/drawing/2014/main" id="{FCB4C684-04E3-E49B-7488-ECF56AFAD034}"/>
               </a:ext>
             </a:extLst>
           </p:cNvPr>
@@ -26577,7 +26577,7 @@
           <p:cNvPr id="8" name="TextBox 7">
             <a:extLst>
               <a:ext uri="{FF2B5EF4-FFF2-40B4-BE49-F238E27FC236}">
-                <a16:creationId xmlns:a16="http://schemas.microsoft.com/office/drawing/2014/main" xmlns="" id="{3765D4BC-2B2E-9419-F240-B3E2B3E329E9}"/>
+                <a16:creationId xmlns="" xmlns:a16="http://schemas.microsoft.com/office/drawing/2014/main" id="{3765D4BC-2B2E-9419-F240-B3E2B3E329E9}"/>
               </a:ext>
             </a:extLst>
           </p:cNvPr>
@@ -26615,7 +26615,7 @@
           <p:cNvPr id="9" name="TextBox 8">
             <a:extLst>
               <a:ext uri="{FF2B5EF4-FFF2-40B4-BE49-F238E27FC236}">
-                <a16:creationId xmlns:a16="http://schemas.microsoft.com/office/drawing/2014/main" xmlns="" id="{534DFC7A-735D-3A9A-66DB-4D40728C459D}"/>
+                <a16:creationId xmlns="" xmlns:a16="http://schemas.microsoft.com/office/drawing/2014/main" id="{534DFC7A-735D-3A9A-66DB-4D40728C459D}"/>
               </a:ext>
             </a:extLst>
           </p:cNvPr>
@@ -26674,63 +26674,63 @@
                 <a:gridCol w="907820">
                   <a:extLst>
                     <a:ext uri="{9D8B030D-6E8A-4147-A177-3AD203B41FA5}">
-                      <a16:colId xmlns:a16="http://schemas.microsoft.com/office/drawing/2014/main" xmlns="" val="20000"/>
+                      <a16:colId xmlns="" xmlns:a16="http://schemas.microsoft.com/office/drawing/2014/main" val="20000"/>
                     </a:ext>
                   </a:extLst>
                 </a:gridCol>
                 <a:gridCol w="611617">
                   <a:extLst>
                     <a:ext uri="{9D8B030D-6E8A-4147-A177-3AD203B41FA5}">
-                      <a16:colId xmlns:a16="http://schemas.microsoft.com/office/drawing/2014/main" xmlns="" val="20001"/>
+                      <a16:colId xmlns="" xmlns:a16="http://schemas.microsoft.com/office/drawing/2014/main" val="20001"/>
                     </a:ext>
                   </a:extLst>
                 </a:gridCol>
                 <a:gridCol w="678216">
                   <a:extLst>
                     <a:ext uri="{9D8B030D-6E8A-4147-A177-3AD203B41FA5}">
-                      <a16:colId xmlns:a16="http://schemas.microsoft.com/office/drawing/2014/main" xmlns="" val="20002"/>
+                      <a16:colId xmlns="" xmlns:a16="http://schemas.microsoft.com/office/drawing/2014/main" val="20002"/>
                     </a:ext>
                   </a:extLst>
                 </a:gridCol>
                 <a:gridCol w="346173">
                   <a:extLst>
                     <a:ext uri="{9D8B030D-6E8A-4147-A177-3AD203B41FA5}">
-                      <a16:colId xmlns:a16="http://schemas.microsoft.com/office/drawing/2014/main" xmlns="" val="20003"/>
+                      <a16:colId xmlns="" xmlns:a16="http://schemas.microsoft.com/office/drawing/2014/main" val="20003"/>
                     </a:ext>
                   </a:extLst>
                 </a:gridCol>
                 <a:gridCol w="678216">
                   <a:extLst>
                     <a:ext uri="{9D8B030D-6E8A-4147-A177-3AD203B41FA5}">
-                      <a16:colId xmlns:a16="http://schemas.microsoft.com/office/drawing/2014/main" xmlns="" val="20004"/>
+                      <a16:colId xmlns="" xmlns:a16="http://schemas.microsoft.com/office/drawing/2014/main" val="20004"/>
                     </a:ext>
                   </a:extLst>
                 </a:gridCol>
                 <a:gridCol w="531622">
                   <a:extLst>
                     <a:ext uri="{9D8B030D-6E8A-4147-A177-3AD203B41FA5}">
-                      <a16:colId xmlns:a16="http://schemas.microsoft.com/office/drawing/2014/main" xmlns="" val="20005"/>
+                      <a16:colId xmlns="" xmlns:a16="http://schemas.microsoft.com/office/drawing/2014/main" val="20005"/>
                     </a:ext>
                   </a:extLst>
                 </a:gridCol>
                 <a:gridCol w="678216">
                   <a:extLst>
                     <a:ext uri="{9D8B030D-6E8A-4147-A177-3AD203B41FA5}">
-                      <a16:colId xmlns:a16="http://schemas.microsoft.com/office/drawing/2014/main" xmlns="" val="20006"/>
+                      <a16:colId xmlns="" xmlns:a16="http://schemas.microsoft.com/office/drawing/2014/main" val="20006"/>
                     </a:ext>
                   </a:extLst>
                 </a:gridCol>
                 <a:gridCol w="460974">
                   <a:extLst>
                     <a:ext uri="{9D8B030D-6E8A-4147-A177-3AD203B41FA5}">
-                      <a16:colId xmlns:a16="http://schemas.microsoft.com/office/drawing/2014/main" xmlns="" val="20007"/>
+                      <a16:colId xmlns="" xmlns:a16="http://schemas.microsoft.com/office/drawing/2014/main" val="20007"/>
                     </a:ext>
                   </a:extLst>
                 </a:gridCol>
                 <a:gridCol w="678216">
                   <a:extLst>
                     <a:ext uri="{9D8B030D-6E8A-4147-A177-3AD203B41FA5}">
-                      <a16:colId xmlns:a16="http://schemas.microsoft.com/office/drawing/2014/main" xmlns="" val="286338746"/>
+                      <a16:colId xmlns="" xmlns:a16="http://schemas.microsoft.com/office/drawing/2014/main" val="286338746"/>
                     </a:ext>
                   </a:extLst>
                 </a:gridCol>
@@ -27107,7 +27107,7 @@
                 </a:tc>
                 <a:extLst>
                   <a:ext uri="{0D108BD9-81ED-4DB2-BD59-A6C34878D82A}">
-                    <a16:rowId xmlns:a16="http://schemas.microsoft.com/office/drawing/2014/main" xmlns="" val="10000"/>
+                    <a16:rowId xmlns="" xmlns:a16="http://schemas.microsoft.com/office/drawing/2014/main" val="10000"/>
                   </a:ext>
                 </a:extLst>
               </a:tr>
@@ -27532,7 +27532,7 @@
                 </a:tc>
                 <a:extLst>
                   <a:ext uri="{0D108BD9-81ED-4DB2-BD59-A6C34878D82A}">
-                    <a16:rowId xmlns:a16="http://schemas.microsoft.com/office/drawing/2014/main" xmlns="" val="10001"/>
+                    <a16:rowId xmlns="" xmlns:a16="http://schemas.microsoft.com/office/drawing/2014/main" val="10001"/>
                   </a:ext>
                 </a:extLst>
               </a:tr>
@@ -27989,7 +27989,7 @@
                 </a:tc>
                 <a:extLst>
                   <a:ext uri="{0D108BD9-81ED-4DB2-BD59-A6C34878D82A}">
-                    <a16:rowId xmlns:a16="http://schemas.microsoft.com/office/drawing/2014/main" xmlns="" val="10002"/>
+                    <a16:rowId xmlns="" xmlns:a16="http://schemas.microsoft.com/office/drawing/2014/main" val="10002"/>
                   </a:ext>
                 </a:extLst>
               </a:tr>
@@ -28399,7 +28399,7 @@
                 </a:tc>
                 <a:extLst>
                   <a:ext uri="{0D108BD9-81ED-4DB2-BD59-A6C34878D82A}">
-                    <a16:rowId xmlns:a16="http://schemas.microsoft.com/office/drawing/2014/main" xmlns="" val="10003"/>
+                    <a16:rowId xmlns="" xmlns:a16="http://schemas.microsoft.com/office/drawing/2014/main" val="10003"/>
                   </a:ext>
                 </a:extLst>
               </a:tr>
@@ -28802,7 +28802,7 @@
                 </a:tc>
                 <a:extLst>
                   <a:ext uri="{0D108BD9-81ED-4DB2-BD59-A6C34878D82A}">
-                    <a16:rowId xmlns:a16="http://schemas.microsoft.com/office/drawing/2014/main" xmlns="" val="10004"/>
+                    <a16:rowId xmlns="" xmlns:a16="http://schemas.microsoft.com/office/drawing/2014/main" val="10004"/>
                   </a:ext>
                 </a:extLst>
               </a:tr>
@@ -29205,7 +29205,7 @@
                 </a:tc>
                 <a:extLst>
                   <a:ext uri="{0D108BD9-81ED-4DB2-BD59-A6C34878D82A}">
-                    <a16:rowId xmlns:a16="http://schemas.microsoft.com/office/drawing/2014/main" xmlns="" val="10005"/>
+                    <a16:rowId xmlns="" xmlns:a16="http://schemas.microsoft.com/office/drawing/2014/main" val="10005"/>
                   </a:ext>
                 </a:extLst>
               </a:tr>
@@ -29662,7 +29662,7 @@
                 </a:tc>
                 <a:extLst>
                   <a:ext uri="{0D108BD9-81ED-4DB2-BD59-A6C34878D82A}">
-                    <a16:rowId xmlns:a16="http://schemas.microsoft.com/office/drawing/2014/main" xmlns="" val="10006"/>
+                    <a16:rowId xmlns="" xmlns:a16="http://schemas.microsoft.com/office/drawing/2014/main" val="10006"/>
                   </a:ext>
                 </a:extLst>
               </a:tr>
@@ -29696,63 +29696,63 @@
                 <a:gridCol w="976980">
                   <a:extLst>
                     <a:ext uri="{9D8B030D-6E8A-4147-A177-3AD203B41FA5}">
-                      <a16:colId xmlns:a16="http://schemas.microsoft.com/office/drawing/2014/main" xmlns="" val="20000"/>
+                      <a16:colId xmlns="" xmlns:a16="http://schemas.microsoft.com/office/drawing/2014/main" val="20000"/>
                     </a:ext>
                   </a:extLst>
                 </a:gridCol>
                 <a:gridCol w="378248">
                   <a:extLst>
                     <a:ext uri="{9D8B030D-6E8A-4147-A177-3AD203B41FA5}">
-                      <a16:colId xmlns:a16="http://schemas.microsoft.com/office/drawing/2014/main" xmlns="" val="20001"/>
+                      <a16:colId xmlns="" xmlns:a16="http://schemas.microsoft.com/office/drawing/2014/main" val="20001"/>
                     </a:ext>
                   </a:extLst>
                 </a:gridCol>
                 <a:gridCol w="729884">
                   <a:extLst>
                     <a:ext uri="{9D8B030D-6E8A-4147-A177-3AD203B41FA5}">
-                      <a16:colId xmlns:a16="http://schemas.microsoft.com/office/drawing/2014/main" xmlns="" val="20002"/>
+                      <a16:colId xmlns="" xmlns:a16="http://schemas.microsoft.com/office/drawing/2014/main" val="20002"/>
                     </a:ext>
                   </a:extLst>
                 </a:gridCol>
                 <a:gridCol w="372545">
                   <a:extLst>
                     <a:ext uri="{9D8B030D-6E8A-4147-A177-3AD203B41FA5}">
-                      <a16:colId xmlns:a16="http://schemas.microsoft.com/office/drawing/2014/main" xmlns="" val="20003"/>
+                      <a16:colId xmlns="" xmlns:a16="http://schemas.microsoft.com/office/drawing/2014/main" val="20003"/>
                     </a:ext>
                   </a:extLst>
                 </a:gridCol>
                 <a:gridCol w="729884">
                   <a:extLst>
                     <a:ext uri="{9D8B030D-6E8A-4147-A177-3AD203B41FA5}">
-                      <a16:colId xmlns:a16="http://schemas.microsoft.com/office/drawing/2014/main" xmlns="" val="20004"/>
+                      <a16:colId xmlns="" xmlns:a16="http://schemas.microsoft.com/office/drawing/2014/main" val="20004"/>
                     </a:ext>
                   </a:extLst>
                 </a:gridCol>
                 <a:gridCol w="448574">
                   <a:extLst>
                     <a:ext uri="{9D8B030D-6E8A-4147-A177-3AD203B41FA5}">
-                      <a16:colId xmlns:a16="http://schemas.microsoft.com/office/drawing/2014/main" xmlns="" val="20005"/>
+                      <a16:colId xmlns="" xmlns:a16="http://schemas.microsoft.com/office/drawing/2014/main" val="20005"/>
                     </a:ext>
                   </a:extLst>
                 </a:gridCol>
                 <a:gridCol w="729884">
                   <a:extLst>
                     <a:ext uri="{9D8B030D-6E8A-4147-A177-3AD203B41FA5}">
-                      <a16:colId xmlns:a16="http://schemas.microsoft.com/office/drawing/2014/main" xmlns="" val="20006"/>
+                      <a16:colId xmlns="" xmlns:a16="http://schemas.microsoft.com/office/drawing/2014/main" val="20006"/>
                     </a:ext>
                   </a:extLst>
                 </a:gridCol>
                 <a:gridCol w="475185">
                   <a:extLst>
                     <a:ext uri="{9D8B030D-6E8A-4147-A177-3AD203B41FA5}">
-                      <a16:colId xmlns:a16="http://schemas.microsoft.com/office/drawing/2014/main" xmlns="" val="20007"/>
+                      <a16:colId xmlns="" xmlns:a16="http://schemas.microsoft.com/office/drawing/2014/main" val="20007"/>
                     </a:ext>
                   </a:extLst>
                 </a:gridCol>
                 <a:gridCol w="729884">
                   <a:extLst>
                     <a:ext uri="{9D8B030D-6E8A-4147-A177-3AD203B41FA5}">
-                      <a16:colId xmlns:a16="http://schemas.microsoft.com/office/drawing/2014/main" xmlns="" val="2169588638"/>
+                      <a16:colId xmlns="" xmlns:a16="http://schemas.microsoft.com/office/drawing/2014/main" val="2169588638"/>
                     </a:ext>
                   </a:extLst>
                 </a:gridCol>
@@ -30129,7 +30129,7 @@
                 </a:tc>
                 <a:extLst>
                   <a:ext uri="{0D108BD9-81ED-4DB2-BD59-A6C34878D82A}">
-                    <a16:rowId xmlns:a16="http://schemas.microsoft.com/office/drawing/2014/main" xmlns="" val="10000"/>
+                    <a16:rowId xmlns="" xmlns:a16="http://schemas.microsoft.com/office/drawing/2014/main" val="10000"/>
                   </a:ext>
                 </a:extLst>
               </a:tr>
@@ -30554,7 +30554,7 @@
                 </a:tc>
                 <a:extLst>
                   <a:ext uri="{0D108BD9-81ED-4DB2-BD59-A6C34878D82A}">
-                    <a16:rowId xmlns:a16="http://schemas.microsoft.com/office/drawing/2014/main" xmlns="" val="10001"/>
+                    <a16:rowId xmlns="" xmlns:a16="http://schemas.microsoft.com/office/drawing/2014/main" val="10001"/>
                   </a:ext>
                 </a:extLst>
               </a:tr>
@@ -31011,7 +31011,7 @@
                 </a:tc>
                 <a:extLst>
                   <a:ext uri="{0D108BD9-81ED-4DB2-BD59-A6C34878D82A}">
-                    <a16:rowId xmlns:a16="http://schemas.microsoft.com/office/drawing/2014/main" xmlns="" val="10002"/>
+                    <a16:rowId xmlns="" xmlns:a16="http://schemas.microsoft.com/office/drawing/2014/main" val="10002"/>
                   </a:ext>
                 </a:extLst>
               </a:tr>
@@ -31414,7 +31414,7 @@
                 </a:tc>
                 <a:extLst>
                   <a:ext uri="{0D108BD9-81ED-4DB2-BD59-A6C34878D82A}">
-                    <a16:rowId xmlns:a16="http://schemas.microsoft.com/office/drawing/2014/main" xmlns="" val="10003"/>
+                    <a16:rowId xmlns="" xmlns:a16="http://schemas.microsoft.com/office/drawing/2014/main" val="10003"/>
                   </a:ext>
                 </a:extLst>
               </a:tr>
@@ -31817,7 +31817,7 @@
                 </a:tc>
                 <a:extLst>
                   <a:ext uri="{0D108BD9-81ED-4DB2-BD59-A6C34878D82A}">
-                    <a16:rowId xmlns:a16="http://schemas.microsoft.com/office/drawing/2014/main" xmlns="" val="10004"/>
+                    <a16:rowId xmlns="" xmlns:a16="http://schemas.microsoft.com/office/drawing/2014/main" val="10004"/>
                   </a:ext>
                 </a:extLst>
               </a:tr>
@@ -32220,7 +32220,7 @@
                 </a:tc>
                 <a:extLst>
                   <a:ext uri="{0D108BD9-81ED-4DB2-BD59-A6C34878D82A}">
-                    <a16:rowId xmlns:a16="http://schemas.microsoft.com/office/drawing/2014/main" xmlns="" val="10005"/>
+                    <a16:rowId xmlns="" xmlns:a16="http://schemas.microsoft.com/office/drawing/2014/main" val="10005"/>
                   </a:ext>
                 </a:extLst>
               </a:tr>
@@ -32677,7 +32677,7 @@
                 </a:tc>
                 <a:extLst>
                   <a:ext uri="{0D108BD9-81ED-4DB2-BD59-A6C34878D82A}">
-                    <a16:rowId xmlns:a16="http://schemas.microsoft.com/office/drawing/2014/main" xmlns="" val="10006"/>
+                    <a16:rowId xmlns="" xmlns:a16="http://schemas.microsoft.com/office/drawing/2014/main" val="10006"/>
                   </a:ext>
                 </a:extLst>
               </a:tr>
@@ -32690,7 +32690,7 @@
           <p:cNvPr id="26" name="TextBox 25">
             <a:extLst>
               <a:ext uri="{FF2B5EF4-FFF2-40B4-BE49-F238E27FC236}">
-                <a16:creationId xmlns:a16="http://schemas.microsoft.com/office/drawing/2014/main" xmlns="" id="{C27648FA-6B4C-60DD-ADFE-54CEF206FAC9}"/>
+                <a16:creationId xmlns="" xmlns:a16="http://schemas.microsoft.com/office/drawing/2014/main" id="{C27648FA-6B4C-60DD-ADFE-54CEF206FAC9}"/>
               </a:ext>
             </a:extLst>
           </p:cNvPr>
@@ -32745,7 +32745,7 @@
           <p:cNvPr id="27" name="TextBox 26">
             <a:extLst>
               <a:ext uri="{FF2B5EF4-FFF2-40B4-BE49-F238E27FC236}">
-                <a16:creationId xmlns:a16="http://schemas.microsoft.com/office/drawing/2014/main" xmlns="" id="{8DD63C2B-BE03-6C4C-DCB1-11C31ECC55E5}"/>
+                <a16:creationId xmlns="" xmlns:a16="http://schemas.microsoft.com/office/drawing/2014/main" id="{8DD63C2B-BE03-6C4C-DCB1-11C31ECC55E5}"/>
               </a:ext>
             </a:extLst>
           </p:cNvPr>
@@ -32783,7 +32783,7 @@
           <p:cNvPr id="28" name="Straight Connector 27">
             <a:extLst>
               <a:ext uri="{FF2B5EF4-FFF2-40B4-BE49-F238E27FC236}">
-                <a16:creationId xmlns:a16="http://schemas.microsoft.com/office/drawing/2014/main" xmlns="" id="{FCB4C684-04E3-E49B-7488-ECF56AFAD034}"/>
+                <a16:creationId xmlns="" xmlns:a16="http://schemas.microsoft.com/office/drawing/2014/main" id="{FCB4C684-04E3-E49B-7488-ECF56AFAD034}"/>
               </a:ext>
             </a:extLst>
           </p:cNvPr>
@@ -32835,7 +32835,7 @@
           <p:cNvPr id="2" name="Table 1">
             <a:extLst>
               <a:ext uri="{FF2B5EF4-FFF2-40B4-BE49-F238E27FC236}">
-                <a16:creationId xmlns:a16="http://schemas.microsoft.com/office/drawing/2014/main" xmlns="" id="{B6DEDE02-66D1-17B9-E1E8-4B277CCC3DA5}"/>
+                <a16:creationId xmlns="" xmlns:a16="http://schemas.microsoft.com/office/drawing/2014/main" id="{B6DEDE02-66D1-17B9-E1E8-4B277CCC3DA5}"/>
               </a:ext>
             </a:extLst>
           </p:cNvPr>
@@ -32862,21 +32862,21 @@
                 <a:gridCol w="1728279">
                   <a:extLst>
                     <a:ext uri="{9D8B030D-6E8A-4147-A177-3AD203B41FA5}">
-                      <a16:colId xmlns:a16="http://schemas.microsoft.com/office/drawing/2014/main" xmlns="" val="1961207681"/>
+                      <a16:colId xmlns="" xmlns:a16="http://schemas.microsoft.com/office/drawing/2014/main" val="1961207681"/>
                     </a:ext>
                   </a:extLst>
                 </a:gridCol>
                 <a:gridCol w="580717">
                   <a:extLst>
                     <a:ext uri="{9D8B030D-6E8A-4147-A177-3AD203B41FA5}">
-                      <a16:colId xmlns:a16="http://schemas.microsoft.com/office/drawing/2014/main" xmlns="" val="575932453"/>
+                      <a16:colId xmlns="" xmlns:a16="http://schemas.microsoft.com/office/drawing/2014/main" val="575932453"/>
                     </a:ext>
                   </a:extLst>
                 </a:gridCol>
                 <a:gridCol w="1155490">
                   <a:extLst>
                     <a:ext uri="{9D8B030D-6E8A-4147-A177-3AD203B41FA5}">
-                      <a16:colId xmlns:a16="http://schemas.microsoft.com/office/drawing/2014/main" xmlns="" val="1835175803"/>
+                      <a16:colId xmlns="" xmlns:a16="http://schemas.microsoft.com/office/drawing/2014/main" val="1835175803"/>
                     </a:ext>
                   </a:extLst>
                 </a:gridCol>
@@ -33059,7 +33059,7 @@
                 </a:tc>
                 <a:extLst>
                   <a:ext uri="{0D108BD9-81ED-4DB2-BD59-A6C34878D82A}">
-                    <a16:rowId xmlns:a16="http://schemas.microsoft.com/office/drawing/2014/main" xmlns="" val="3383272997"/>
+                    <a16:rowId xmlns="" xmlns:a16="http://schemas.microsoft.com/office/drawing/2014/main" val="3383272997"/>
                   </a:ext>
                 </a:extLst>
               </a:tr>
@@ -33216,7 +33216,7 @@
                 </a:tc>
                 <a:extLst>
                   <a:ext uri="{0D108BD9-81ED-4DB2-BD59-A6C34878D82A}">
-                    <a16:rowId xmlns:a16="http://schemas.microsoft.com/office/drawing/2014/main" xmlns="" val="2196316260"/>
+                    <a16:rowId xmlns="" xmlns:a16="http://schemas.microsoft.com/office/drawing/2014/main" val="2196316260"/>
                   </a:ext>
                 </a:extLst>
               </a:tr>
@@ -33355,7 +33355,7 @@
                 </a:tc>
                 <a:extLst>
                   <a:ext uri="{0D108BD9-81ED-4DB2-BD59-A6C34878D82A}">
-                    <a16:rowId xmlns:a16="http://schemas.microsoft.com/office/drawing/2014/main" xmlns="" val="2418122170"/>
+                    <a16:rowId xmlns="" xmlns:a16="http://schemas.microsoft.com/office/drawing/2014/main" val="2418122170"/>
                   </a:ext>
                 </a:extLst>
               </a:tr>
@@ -33494,7 +33494,7 @@
                 </a:tc>
                 <a:extLst>
                   <a:ext uri="{0D108BD9-81ED-4DB2-BD59-A6C34878D82A}">
-                    <a16:rowId xmlns:a16="http://schemas.microsoft.com/office/drawing/2014/main" xmlns="" val="3286326041"/>
+                    <a16:rowId xmlns="" xmlns:a16="http://schemas.microsoft.com/office/drawing/2014/main" val="3286326041"/>
                   </a:ext>
                 </a:extLst>
               </a:tr>
@@ -33633,7 +33633,7 @@
                 </a:tc>
                 <a:extLst>
                   <a:ext uri="{0D108BD9-81ED-4DB2-BD59-A6C34878D82A}">
-                    <a16:rowId xmlns:a16="http://schemas.microsoft.com/office/drawing/2014/main" xmlns="" val="935290489"/>
+                    <a16:rowId xmlns="" xmlns:a16="http://schemas.microsoft.com/office/drawing/2014/main" val="935290489"/>
                   </a:ext>
                 </a:extLst>
               </a:tr>
@@ -33772,7 +33772,7 @@
                 </a:tc>
                 <a:extLst>
                   <a:ext uri="{0D108BD9-81ED-4DB2-BD59-A6C34878D82A}">
-                    <a16:rowId xmlns:a16="http://schemas.microsoft.com/office/drawing/2014/main" xmlns="" val="25084068"/>
+                    <a16:rowId xmlns="" xmlns:a16="http://schemas.microsoft.com/office/drawing/2014/main" val="25084068"/>
                   </a:ext>
                 </a:extLst>
               </a:tr>
@@ -33911,7 +33911,7 @@
                 </a:tc>
                 <a:extLst>
                   <a:ext uri="{0D108BD9-81ED-4DB2-BD59-A6C34878D82A}">
-                    <a16:rowId xmlns:a16="http://schemas.microsoft.com/office/drawing/2014/main" xmlns="" val="3206212972"/>
+                    <a16:rowId xmlns="" xmlns:a16="http://schemas.microsoft.com/office/drawing/2014/main" val="3206212972"/>
                   </a:ext>
                 </a:extLst>
               </a:tr>
@@ -34050,7 +34050,7 @@
                 </a:tc>
                 <a:extLst>
                   <a:ext uri="{0D108BD9-81ED-4DB2-BD59-A6C34878D82A}">
-                    <a16:rowId xmlns:a16="http://schemas.microsoft.com/office/drawing/2014/main" xmlns="" val="1814071819"/>
+                    <a16:rowId xmlns="" xmlns:a16="http://schemas.microsoft.com/office/drawing/2014/main" val="1814071819"/>
                   </a:ext>
                 </a:extLst>
               </a:tr>
@@ -34189,7 +34189,7 @@
                 </a:tc>
                 <a:extLst>
                   <a:ext uri="{0D108BD9-81ED-4DB2-BD59-A6C34878D82A}">
-                    <a16:rowId xmlns:a16="http://schemas.microsoft.com/office/drawing/2014/main" xmlns="" val="74637429"/>
+                    <a16:rowId xmlns="" xmlns:a16="http://schemas.microsoft.com/office/drawing/2014/main" val="74637429"/>
                   </a:ext>
                 </a:extLst>
               </a:tr>
@@ -34328,7 +34328,7 @@
                 </a:tc>
                 <a:extLst>
                   <a:ext uri="{0D108BD9-81ED-4DB2-BD59-A6C34878D82A}">
-                    <a16:rowId xmlns:a16="http://schemas.microsoft.com/office/drawing/2014/main" xmlns="" val="1405187852"/>
+                    <a16:rowId xmlns="" xmlns:a16="http://schemas.microsoft.com/office/drawing/2014/main" val="1405187852"/>
                   </a:ext>
                 </a:extLst>
               </a:tr>
@@ -34467,7 +34467,7 @@
                 </a:tc>
                 <a:extLst>
                   <a:ext uri="{0D108BD9-81ED-4DB2-BD59-A6C34878D82A}">
-                    <a16:rowId xmlns:a16="http://schemas.microsoft.com/office/drawing/2014/main" xmlns="" val="103600693"/>
+                    <a16:rowId xmlns="" xmlns:a16="http://schemas.microsoft.com/office/drawing/2014/main" val="103600693"/>
                   </a:ext>
                 </a:extLst>
               </a:tr>
@@ -34606,7 +34606,7 @@
                 </a:tc>
                 <a:extLst>
                   <a:ext uri="{0D108BD9-81ED-4DB2-BD59-A6C34878D82A}">
-                    <a16:rowId xmlns:a16="http://schemas.microsoft.com/office/drawing/2014/main" xmlns="" val="3703378746"/>
+                    <a16:rowId xmlns="" xmlns:a16="http://schemas.microsoft.com/office/drawing/2014/main" val="3703378746"/>
                   </a:ext>
                 </a:extLst>
               </a:tr>
@@ -34745,7 +34745,7 @@
                 </a:tc>
                 <a:extLst>
                   <a:ext uri="{0D108BD9-81ED-4DB2-BD59-A6C34878D82A}">
-                    <a16:rowId xmlns:a16="http://schemas.microsoft.com/office/drawing/2014/main" xmlns="" val="1680262666"/>
+                    <a16:rowId xmlns="" xmlns:a16="http://schemas.microsoft.com/office/drawing/2014/main" val="1680262666"/>
                   </a:ext>
                 </a:extLst>
               </a:tr>
@@ -34884,7 +34884,7 @@
                 </a:tc>
                 <a:extLst>
                   <a:ext uri="{0D108BD9-81ED-4DB2-BD59-A6C34878D82A}">
-                    <a16:rowId xmlns:a16="http://schemas.microsoft.com/office/drawing/2014/main" xmlns="" val="480145619"/>
+                    <a16:rowId xmlns="" xmlns:a16="http://schemas.microsoft.com/office/drawing/2014/main" val="480145619"/>
                   </a:ext>
                 </a:extLst>
               </a:tr>
@@ -35023,7 +35023,7 @@
                 </a:tc>
                 <a:extLst>
                   <a:ext uri="{0D108BD9-81ED-4DB2-BD59-A6C34878D82A}">
-                    <a16:rowId xmlns:a16="http://schemas.microsoft.com/office/drawing/2014/main" xmlns="" val="3963506874"/>
+                    <a16:rowId xmlns="" xmlns:a16="http://schemas.microsoft.com/office/drawing/2014/main" val="3963506874"/>
                   </a:ext>
                 </a:extLst>
               </a:tr>
@@ -35162,7 +35162,7 @@
                 </a:tc>
                 <a:extLst>
                   <a:ext uri="{0D108BD9-81ED-4DB2-BD59-A6C34878D82A}">
-                    <a16:rowId xmlns:a16="http://schemas.microsoft.com/office/drawing/2014/main" xmlns="" val="3687297379"/>
+                    <a16:rowId xmlns="" xmlns:a16="http://schemas.microsoft.com/office/drawing/2014/main" val="3687297379"/>
                   </a:ext>
                 </a:extLst>
               </a:tr>
@@ -35301,7 +35301,7 @@
                 </a:tc>
                 <a:extLst>
                   <a:ext uri="{0D108BD9-81ED-4DB2-BD59-A6C34878D82A}">
-                    <a16:rowId xmlns:a16="http://schemas.microsoft.com/office/drawing/2014/main" xmlns="" val="919866128"/>
+                    <a16:rowId xmlns="" xmlns:a16="http://schemas.microsoft.com/office/drawing/2014/main" val="919866128"/>
                   </a:ext>
                 </a:extLst>
               </a:tr>
@@ -35458,7 +35458,7 @@
                 </a:tc>
                 <a:extLst>
                   <a:ext uri="{0D108BD9-81ED-4DB2-BD59-A6C34878D82A}">
-                    <a16:rowId xmlns:a16="http://schemas.microsoft.com/office/drawing/2014/main" xmlns="" val="2378772934"/>
+                    <a16:rowId xmlns="" xmlns:a16="http://schemas.microsoft.com/office/drawing/2014/main" val="2378772934"/>
                   </a:ext>
                 </a:extLst>
               </a:tr>
@@ -35471,7 +35471,7 @@
           <p:cNvPr id="6" name="TextBox 5">
             <a:extLst>
               <a:ext uri="{FF2B5EF4-FFF2-40B4-BE49-F238E27FC236}">
-                <a16:creationId xmlns:a16="http://schemas.microsoft.com/office/drawing/2014/main" xmlns="" id="{D7C976E3-386E-168A-B88E-5BFF07D00805}"/>
+                <a16:creationId xmlns="" xmlns:a16="http://schemas.microsoft.com/office/drawing/2014/main" id="{D7C976E3-386E-168A-B88E-5BFF07D00805}"/>
               </a:ext>
             </a:extLst>
           </p:cNvPr>
@@ -35539,7 +35539,7 @@
           <p:cNvPr id="5" name="TextBox 4">
             <a:extLst>
               <a:ext uri="{FF2B5EF4-FFF2-40B4-BE49-F238E27FC236}">
-                <a16:creationId xmlns:a16="http://schemas.microsoft.com/office/drawing/2014/main" xmlns="" id="{7A167E24-A9F2-EBE5-314F-01BA03680861}"/>
+                <a16:creationId xmlns="" xmlns:a16="http://schemas.microsoft.com/office/drawing/2014/main" id="{7A167E24-A9F2-EBE5-314F-01BA03680861}"/>
               </a:ext>
             </a:extLst>
           </p:cNvPr>
@@ -35916,7 +35916,7 @@
           <p:cNvPr id="7" name="Straight Connector 6">
             <a:extLst>
               <a:ext uri="{FF2B5EF4-FFF2-40B4-BE49-F238E27FC236}">
-                <a16:creationId xmlns:a16="http://schemas.microsoft.com/office/drawing/2014/main" xmlns="" id="{FCB4C684-04E3-E49B-7488-ECF56AFAD034}"/>
+                <a16:creationId xmlns="" xmlns:a16="http://schemas.microsoft.com/office/drawing/2014/main" id="{FCB4C684-04E3-E49B-7488-ECF56AFAD034}"/>
               </a:ext>
             </a:extLst>
           </p:cNvPr>
